--- a/projects/kog.020.010-transformations/aitcg060 - Transformations.pptx
+++ b/projects/kog.020.010-transformations/aitcg060 - Transformations.pptx
@@ -225,7 +225,7 @@
           <a:p>
             <a:fld id="{5B0DAFD6-FAC2-42B7-869F-67A360C20BEA}" type="datetimeFigureOut">
               <a:rPr lang="en-US" smtClean="0"/>
-              <a:t>2/16/2021</a:t>
+              <a:t>2/18/2021</a:t>
             </a:fld>
             <a:endParaRPr lang="en-US"/>
           </a:p>
@@ -289,38 +289,37 @@
           <a:p>
             <a:pPr lvl="0"/>
             <a:r>
-              <a:rPr lang="en-US" smtClean="0"/>
+              <a:rPr lang="en-US"/>
               <a:t>Click to edit Master text styles</a:t>
             </a:r>
           </a:p>
           <a:p>
             <a:pPr lvl="1"/>
             <a:r>
-              <a:rPr lang="en-US" smtClean="0"/>
+              <a:rPr lang="en-US"/>
               <a:t>Second level</a:t>
             </a:r>
           </a:p>
           <a:p>
             <a:pPr lvl="2"/>
             <a:r>
-              <a:rPr lang="en-US" smtClean="0"/>
+              <a:rPr lang="en-US"/>
               <a:t>Third level</a:t>
             </a:r>
           </a:p>
           <a:p>
             <a:pPr lvl="3"/>
             <a:r>
-              <a:rPr lang="en-US" smtClean="0"/>
+              <a:rPr lang="en-US"/>
               <a:t>Fourth level</a:t>
             </a:r>
           </a:p>
           <a:p>
             <a:pPr lvl="4"/>
             <a:r>
-              <a:rPr lang="en-US" smtClean="0"/>
+              <a:rPr lang="en-US"/>
               <a:t>Fifth level</a:t>
             </a:r>
-            <a:endParaRPr lang="en-US"/>
           </a:p>
         </p:txBody>
       </p:sp>
@@ -538,10 +537,9 @@
           <a:lstStyle/>
           <a:p>
             <a:r>
-              <a:rPr lang="en-US" dirty="0" smtClean="0"/>
+              <a:rPr lang="en-US" dirty="0"/>
               <a:t>What is the matrix?</a:t>
             </a:r>
-            <a:endParaRPr lang="en-US" dirty="0"/>
           </a:p>
         </p:txBody>
       </p:sp>
@@ -650,54 +648,54 @@
           <a:lstStyle/>
           <a:p>
             <a:r>
-              <a:rPr lang="en-US" altLang="en-US" dirty="0" smtClean="0"/>
+              <a:rPr lang="en-US" altLang="en-US" dirty="0"/>
               <a:t>Rotation</a:t>
             </a:r>
             <a:r>
-              <a:rPr lang="en-US" altLang="en-US" baseline="0" dirty="0" smtClean="0"/>
+              <a:rPr lang="en-US" altLang="en-US" baseline="0" dirty="0"/>
               <a:t> around an arbitrary axis can also be performed by matrix multiplication, but the formula (known as Rodriguez’s rotation formula) is not as self-evident as some previous transformation examples, but certainly does not lack elegance. It can be derived using the same tools we have been using: separating the position vector into an axis-parallel and an axis-perpendicular part, and writing the trigonometry for the rotations. While all steps are fairly simple, the derivation is quite tedious, so we skip it here. For all our practical purposes, we only need to know that the </a:t>
             </a:r>
             <a:r>
-              <a:rPr lang="hu-HU" altLang="en-US" baseline="0" dirty="0" smtClean="0"/>
+              <a:rPr lang="hu-HU" altLang="en-US" baseline="0" dirty="0"/>
               <a:t>matrix class</a:t>
             </a:r>
             <a:r>
-              <a:rPr lang="en-US" altLang="en-US" baseline="0" dirty="0" smtClean="0"/>
+              <a:rPr lang="en-US" altLang="en-US" baseline="0" dirty="0"/>
               <a:t>’ </a:t>
             </a:r>
             <a:r>
-              <a:rPr lang="hu-HU" altLang="en-US" i="1" baseline="0" dirty="0" smtClean="0"/>
+              <a:rPr lang="hu-HU" altLang="en-US" i="1" baseline="0" dirty="0"/>
               <a:t>rotation</a:t>
             </a:r>
             <a:r>
-              <a:rPr lang="hu-HU" altLang="en-US" baseline="0" dirty="0" smtClean="0"/>
+              <a:rPr lang="hu-HU" altLang="en-US" baseline="0" dirty="0"/>
               <a:t> or </a:t>
             </a:r>
             <a:r>
-              <a:rPr lang="hu-HU" altLang="en-US" i="1" baseline="0" dirty="0" smtClean="0"/>
+              <a:rPr lang="hu-HU" altLang="en-US" i="1" baseline="0" dirty="0"/>
               <a:t>rotate</a:t>
             </a:r>
             <a:r>
-              <a:rPr lang="en-US" altLang="en-US" baseline="0" dirty="0" smtClean="0"/>
+              <a:rPr lang="en-US" altLang="en-US" baseline="0" dirty="0"/>
               <a:t> </a:t>
             </a:r>
             <a:r>
-              <a:rPr lang="hu-HU" altLang="en-US" baseline="0" dirty="0" smtClean="0"/>
+              <a:rPr lang="hu-HU" altLang="en-US" baseline="0" dirty="0"/>
               <a:t>method</a:t>
             </a:r>
             <a:r>
-              <a:rPr lang="en-US" altLang="en-US" baseline="0" dirty="0" smtClean="0"/>
+              <a:rPr lang="en-US" altLang="en-US" baseline="0" dirty="0"/>
               <a:t> </a:t>
             </a:r>
             <a:r>
-              <a:rPr lang="en-US" altLang="en-US" baseline="0" smtClean="0"/>
+              <a:rPr lang="en-US" altLang="en-US" baseline="0"/>
               <a:t>assembles this </a:t>
             </a:r>
             <a:r>
-              <a:rPr lang="en-US" altLang="en-US" baseline="0" dirty="0" smtClean="0"/>
+              <a:rPr lang="en-US" altLang="en-US" baseline="0" dirty="0"/>
               <a:t>matrix for us.</a:t>
             </a:r>
-            <a:endParaRPr lang="en-US" altLang="en-US" dirty="0" smtClean="0"/>
+            <a:endParaRPr lang="en-US" altLang="en-US" dirty="0"/>
           </a:p>
         </p:txBody>
       </p:sp>
@@ -783,62 +781,62 @@
           <a:lstStyle/>
           <a:p>
             <a:r>
-              <a:rPr lang="en-US" altLang="en-US" dirty="0" smtClean="0"/>
+              <a:rPr lang="en-US" altLang="en-US" dirty="0"/>
               <a:t>So far, we have seen simple transformations that indeed map parallel lines to parallel lines, thus are affine. With the exception of the translation, all of them could be expressed as a multiplication with a 2x2 matrix. </a:t>
             </a:r>
           </a:p>
           <a:p>
-            <a:endParaRPr lang="en-US" altLang="en-US" dirty="0" smtClean="0"/>
-          </a:p>
-          <a:p>
-            <a:r>
-              <a:rPr lang="en-US" altLang="en-US" dirty="0" smtClean="0"/>
+            <a:endParaRPr lang="en-US" altLang="en-US" dirty="0"/>
+          </a:p>
+          <a:p>
+            <a:r>
+              <a:rPr lang="en-US" altLang="en-US" dirty="0"/>
               <a:t>To handle translation similarly to other affine transformations, i.e. with matrix multiplication, we should increase the size of the matrix from 2x2 to 3x3 in 2D. Simultaneously, the vector should also be extended by a third coordinate to allow the multiplication with a 3x3 matrix. Formally, we add a row of the translation vector to the 2x2 matrix, and a column that contains 0, 0, 1, while extend the vector by a constant 1. In this way, it is guaranteed that the third 1 value is preserved for arbitrary x, y. This representation contains all previous transformations, for example in case of translation a=d=1, b=c=0 and </a:t>
             </a:r>
             <a:r>
-              <a:rPr lang="en-US" altLang="en-US" dirty="0" err="1" smtClean="0"/>
+              <a:rPr lang="en-US" altLang="en-US" dirty="0" err="1"/>
               <a:t>px</a:t>
             </a:r>
             <a:r>
-              <a:rPr lang="en-US" altLang="en-US" dirty="0" smtClean="0"/>
+              <a:rPr lang="en-US" altLang="en-US" dirty="0"/>
               <a:t>, </a:t>
             </a:r>
             <a:r>
-              <a:rPr lang="en-US" altLang="en-US" dirty="0" err="1" smtClean="0"/>
+              <a:rPr lang="en-US" altLang="en-US" dirty="0" err="1"/>
               <a:t>py</a:t>
             </a:r>
             <a:r>
-              <a:rPr lang="en-US" altLang="en-US" dirty="0" smtClean="0"/>
+              <a:rPr lang="en-US" altLang="en-US" dirty="0"/>
               <a:t> are the translation vector.</a:t>
             </a:r>
           </a:p>
           <a:p>
-            <a:endParaRPr lang="en-US" altLang="en-US" dirty="0" smtClean="0"/>
-          </a:p>
-          <a:p>
-            <a:r>
-              <a:rPr lang="en-US" altLang="en-US" dirty="0" smtClean="0"/>
+            <a:endParaRPr lang="en-US" altLang="en-US" dirty="0"/>
+          </a:p>
+          <a:p>
+            <a:r>
+              <a:rPr lang="en-US" altLang="en-US" dirty="0"/>
               <a:t>Why are we trying to handle all affine transformations (including translation) uniformly with a matrix multiplication? The advantages become clear when we consider a series of transformations, T1, T2, etc. This means that first T1 is applied, then its result is transformed further by T2, etc. As matrix multiplication is associative, an arbitrary long transformation sequence can be expressed by a SINGLE vector-matrix multiplication, where the matrix is the product of elementary transformation matrices.</a:t>
             </a:r>
           </a:p>
           <a:p>
-            <a:endParaRPr lang="en-US" altLang="en-US" dirty="0" smtClean="0"/>
-          </a:p>
-          <a:p>
-            <a:r>
-              <a:rPr lang="en-US" altLang="en-US" dirty="0" smtClean="0"/>
+            <a:endParaRPr lang="en-US" altLang="en-US" dirty="0"/>
+          </a:p>
+          <a:p>
+            <a:r>
+              <a:rPr lang="en-US" altLang="en-US" dirty="0"/>
               <a:t>Why is this good for us? In practice we have very many (say one million) points that go through many (say 10) transformations.</a:t>
             </a:r>
           </a:p>
           <a:p>
             <a:r>
-              <a:rPr lang="en-US" altLang="en-US" dirty="0" smtClean="0"/>
+              <a:rPr lang="en-US" altLang="en-US" dirty="0"/>
               <a:t>If we applied transformations one by one, we should execute 10 million vector-matrix multiplications. </a:t>
             </a:r>
           </a:p>
           <a:p>
             <a:r>
-              <a:rPr lang="en-US" altLang="en-US" dirty="0" smtClean="0"/>
+              <a:rPr lang="en-US" altLang="en-US" dirty="0"/>
               <a:t>However, if we concatenate matrices first, which requires 10 matrix-matrix multiplications, then the same result could be obtained with only 1 million vector-matrix multiplications. Almost ten times speed up!!!</a:t>
             </a:r>
           </a:p>
@@ -926,115 +924,115 @@
           <a:lstStyle/>
           <a:p>
             <a:r>
-              <a:rPr lang="en-US" altLang="en-US" dirty="0" smtClean="0"/>
+              <a:rPr lang="en-US" altLang="en-US" dirty="0"/>
               <a:t>Homogeneous coordinates [x, y, h] can </a:t>
             </a:r>
             <a:r>
-              <a:rPr lang="hu-HU" altLang="en-US" dirty="0" err="1" smtClean="0"/>
+              <a:rPr lang="hu-HU" altLang="en-US" dirty="0" err="1"/>
               <a:t>also</a:t>
             </a:r>
             <a:r>
-              <a:rPr lang="hu-HU" altLang="en-US" dirty="0" smtClean="0"/>
+              <a:rPr lang="hu-HU" altLang="en-US" dirty="0"/>
               <a:t> </a:t>
             </a:r>
             <a:r>
-              <a:rPr lang="en-US" altLang="en-US" dirty="0" smtClean="0"/>
+              <a:rPr lang="en-US" altLang="en-US" dirty="0"/>
               <a:t>be interpreted in the following way: (x, y) specify the direction of the point, and 1/</a:t>
             </a:r>
             <a:r>
-              <a:rPr lang="hu-HU" altLang="en-US" dirty="0" smtClean="0"/>
+              <a:rPr lang="hu-HU" altLang="en-US" dirty="0"/>
               <a:t>w</a:t>
             </a:r>
             <a:r>
-              <a:rPr lang="en-US" altLang="en-US" dirty="0" smtClean="0"/>
+              <a:rPr lang="en-US" altLang="en-US" dirty="0"/>
               <a:t> is a scaling of the distance.</a:t>
             </a:r>
           </a:p>
           <a:p>
-            <a:endParaRPr lang="en-US" altLang="en-US" dirty="0" smtClean="0"/>
-          </a:p>
-          <a:p>
-            <a:r>
-              <a:rPr lang="en-US" altLang="en-US" dirty="0" smtClean="0"/>
+            <a:endParaRPr lang="en-US" altLang="en-US" dirty="0"/>
+          </a:p>
+          <a:p>
+            <a:r>
+              <a:rPr lang="en-US" altLang="en-US" dirty="0"/>
               <a:t>Let us consider a point of Cartesian coordinates </a:t>
             </a:r>
             <a:r>
-              <a:rPr lang="en-US" altLang="en-US" dirty="0" err="1" smtClean="0"/>
+              <a:rPr lang="en-US" altLang="en-US" dirty="0" err="1"/>
               <a:t>x,y</a:t>
             </a:r>
             <a:r>
-              <a:rPr lang="en-US" altLang="en-US" dirty="0" smtClean="0"/>
+              <a:rPr lang="en-US" altLang="en-US" dirty="0"/>
               <a:t>, which can be given in homogeneous coordinates as [x,y,1].</a:t>
             </a:r>
           </a:p>
           <a:p>
             <a:r>
-              <a:rPr lang="en-US" altLang="en-US" dirty="0" smtClean="0"/>
+              <a:rPr lang="en-US" altLang="en-US" dirty="0"/>
               <a:t>Now, let us consider another point that is in the same direction, but twice as far as (</a:t>
             </a:r>
             <a:r>
-              <a:rPr lang="en-US" altLang="en-US" dirty="0" err="1" smtClean="0"/>
+              <a:rPr lang="en-US" altLang="en-US" dirty="0" err="1"/>
               <a:t>x,y</a:t>
             </a:r>
             <a:r>
-              <a:rPr lang="en-US" altLang="en-US" dirty="0" smtClean="0"/>
+              <a:rPr lang="en-US" altLang="en-US" dirty="0"/>
               <a:t>). This farther point is (2x,2y) in Cartesian coordinates, [2x,2y,1] in homogeneous coordinates, or [x,y,1/2] in homogeneous coordinates. Similarly, the point that is also the same direction b</a:t>
             </a:r>
             <a:r>
-              <a:rPr lang="hu-HU" altLang="en-US" dirty="0" err="1" smtClean="0"/>
+              <a:rPr lang="hu-HU" altLang="en-US" dirty="0" err="1"/>
               <a:t>ut</a:t>
             </a:r>
             <a:r>
-              <a:rPr lang="en-US" altLang="en-US" dirty="0" smtClean="0"/>
+              <a:rPr lang="en-US" altLang="en-US" dirty="0"/>
               <a:t> is </a:t>
             </a:r>
             <a:r>
-              <a:rPr lang="hu-HU" altLang="en-US" dirty="0" smtClean="0"/>
+              <a:rPr lang="hu-HU" altLang="en-US" dirty="0"/>
               <a:t>f</a:t>
             </a:r>
             <a:r>
-              <a:rPr lang="en-US" altLang="en-US" dirty="0" smtClean="0"/>
+              <a:rPr lang="en-US" altLang="en-US" dirty="0"/>
               <a:t> times farther away is  [x,y,1/f]. So the interpretation of a homogeneous triplet is that the first two coordinates are Cartesian ones and show the direction</a:t>
             </a:r>
             <a:r>
-              <a:rPr lang="hu-HU" altLang="en-US" dirty="0" smtClean="0"/>
+              <a:rPr lang="hu-HU" altLang="en-US" dirty="0"/>
               <a:t>,</a:t>
             </a:r>
             <a:r>
-              <a:rPr lang="en-US" altLang="en-US" dirty="0" smtClean="0"/>
+              <a:rPr lang="en-US" altLang="en-US" dirty="0"/>
               <a:t> and the third coordinate is an inverse scaling of the distance. When f is infinity, so 1/f is zero, then we get [x,y,0], which is at the direction of  (</a:t>
             </a:r>
             <a:r>
-              <a:rPr lang="en-US" altLang="en-US" dirty="0" err="1" smtClean="0"/>
+              <a:rPr lang="en-US" altLang="en-US" dirty="0" err="1"/>
               <a:t>x,y</a:t>
             </a:r>
             <a:r>
-              <a:rPr lang="en-US" altLang="en-US" dirty="0" smtClean="0"/>
+              <a:rPr lang="en-US" altLang="en-US" dirty="0"/>
               <a:t>), but at infinity.</a:t>
             </a:r>
           </a:p>
           <a:p>
-            <a:endParaRPr lang="en-US" altLang="en-US" dirty="0" smtClean="0"/>
-          </a:p>
-          <a:p>
-            <a:r>
-              <a:rPr lang="en-US" altLang="en-US" dirty="0" smtClean="0"/>
+            <a:endParaRPr lang="en-US" altLang="en-US" dirty="0"/>
+          </a:p>
+          <a:p>
+            <a:r>
+              <a:rPr lang="en-US" altLang="en-US" dirty="0"/>
               <a:t>With homogeneous coordinates we can express </a:t>
             </a:r>
             <a:r>
-              <a:rPr lang="en-US" altLang="en-US" b="1" u="sng" dirty="0" smtClean="0"/>
+              <a:rPr lang="en-US" altLang="en-US" b="1" u="sng" dirty="0"/>
               <a:t>ideal points</a:t>
             </a:r>
             <a:r>
-              <a:rPr lang="en-US" altLang="en-US" dirty="0" smtClean="0"/>
+              <a:rPr lang="en-US" altLang="en-US" dirty="0"/>
               <a:t>, i.e. points at infinity that are the intersections of parallel lines. Note that in Euclidean geometry parallel lines do not intersect. So, when we work with homogeneous coordinates instead of Cartesian ones, we describe the projective plane that contains the ideal points as well, and not the Euclidean plane. </a:t>
             </a:r>
           </a:p>
           <a:p>
-            <a:endParaRPr lang="en-US" altLang="en-US" dirty="0" smtClean="0"/>
-          </a:p>
-          <a:p>
-            <a:endParaRPr lang="en-US" altLang="en-US" dirty="0" smtClean="0"/>
+            <a:endParaRPr lang="en-US" altLang="en-US" dirty="0"/>
+          </a:p>
+          <a:p>
+            <a:endParaRPr lang="en-US" altLang="en-US" dirty="0"/>
           </a:p>
         </p:txBody>
       </p:sp>
@@ -1120,10 +1118,10 @@
           <a:lstStyle/>
           <a:p>
             <a:r>
-              <a:rPr lang="en-US" altLang="en-US" dirty="0" smtClean="0"/>
+              <a:rPr lang="en-US" altLang="en-US" dirty="0"/>
               <a:t>3D points can also be represented with homogeneous coordinates, i.e. the 3D Cartesian space can also be extended to 3D projective space.</a:t>
             </a:r>
-            <a:endParaRPr lang="hu-HU" altLang="en-US" dirty="0" smtClean="0"/>
+            <a:endParaRPr lang="hu-HU" altLang="en-US" dirty="0"/>
           </a:p>
         </p:txBody>
       </p:sp>
@@ -1209,25 +1207,25 @@
           <a:lstStyle/>
           <a:p>
             <a:r>
-              <a:rPr lang="en-US" altLang="en-US" smtClean="0"/>
+              <a:rPr lang="en-US" altLang="en-US"/>
               <a:t>Homogeneous linear transformations are the multiplications of the vector of homogeneous coordinates by a matrix. The vector can be a row vector when it is on the left side of the matrix. On the other hand, the vector can also be a column vector, and stands on the right side. The two approaches are similar, just the matrix should be transposed accordingly. We shall prefer the case when the vector is a row vector, because it is more intuitive when multiple transformations are executed on after the other. </a:t>
             </a:r>
           </a:p>
           <a:p>
-            <a:endParaRPr lang="en-US" altLang="en-US" smtClean="0"/>
-          </a:p>
-          <a:p>
-            <a:r>
-              <a:rPr lang="en-US" altLang="en-US" smtClean="0"/>
+            <a:endParaRPr lang="en-US" altLang="en-US"/>
+          </a:p>
+          <a:p>
+            <a:r>
+              <a:rPr lang="en-US" altLang="en-US"/>
               <a:t>A 2D point is described by 3 homogeneous coordinates, thus the transformation matrix is of 3x3 size.</a:t>
             </a:r>
           </a:p>
           <a:p>
             <a:r>
-              <a:rPr lang="en-US" altLang="en-US" smtClean="0"/>
+              <a:rPr lang="en-US" altLang="en-US"/>
               <a:t>For 3D points, the matrix has 4x4 elements.</a:t>
             </a:r>
-            <a:endParaRPr lang="hu-HU" altLang="en-US" smtClean="0"/>
+            <a:endParaRPr lang="hu-HU" altLang="en-US"/>
           </a:p>
         </p:txBody>
       </p:sp>
@@ -1313,7 +1311,7 @@
           <a:lstStyle/>
           <a:p>
             <a:r>
-              <a:rPr lang="hu-HU" altLang="en-US" smtClean="0"/>
+              <a:rPr lang="hu-HU" altLang="en-US"/>
               <a:t>In practice we execute not only a single transformation, but a sequence of transformations. This can be imagined as transforming the point with T1, then the result by T2, etc. However, as matrix multiplication is associative, i.e. parentheses can be regrouped, we obtain the same result if we multiply the point with the product of concatenation of the transformation matrices. Any sequence of transformations can be expressed as a single matrix multiplication. If we consider points as row vectors, then the order of transformation matrices will correspond to the order of their execution. </a:t>
             </a:r>
           </a:p>
@@ -1401,10 +1399,10 @@
           <a:lstStyle/>
           <a:p>
             <a:r>
-              <a:rPr lang="hu-HU" altLang="en-US" smtClean="0"/>
+              <a:rPr lang="hu-HU" altLang="en-US"/>
               <a:t>The first elementary transformation considered is the 3D translation. This transformation computes the sum of the Cartesian coordinates of the point and of the translation vector p. This operation can be represented by a homogeneous transformation matrix, where the diagonal elements are 1, the last row contains the translation vector and all other elements are zero.</a:t>
             </a:r>
-            <a:endParaRPr lang="en-US" altLang="en-US" smtClean="0"/>
+            <a:endParaRPr lang="en-US" altLang="en-US"/>
           </a:p>
         </p:txBody>
       </p:sp>
@@ -1490,7 +1488,7 @@
           <a:lstStyle/>
           <a:p>
             <a:r>
-              <a:rPr lang="hu-HU" altLang="en-US" smtClean="0"/>
+              <a:rPr lang="hu-HU" altLang="en-US"/>
               <a:t>The second transformation is scaling along the coordinate axes. This scales x coordinates by Sx, y coordinates by Sy and z coordinates by Sz. Scaling is a diagonal homogeneous linear transformaiton, including the scaling factors and 1 in the diagonal.</a:t>
             </a:r>
           </a:p>
@@ -1578,26 +1576,26 @@
           <a:lstStyle/>
           <a:p>
             <a:r>
-              <a:rPr lang="hu-HU" altLang="en-US" smtClean="0"/>
+              <a:rPr lang="hu-HU" altLang="en-US"/>
               <a:t>Rotation, for example around axis z, is a congruence transformation, thus it surely belongs to the category of homogenous linear transformations. </a:t>
             </a:r>
           </a:p>
           <a:p>
-            <a:endParaRPr lang="hu-HU" altLang="en-US" smtClean="0"/>
-          </a:p>
-          <a:p>
-            <a:r>
-              <a:rPr lang="hu-HU" altLang="en-US" smtClean="0"/>
+            <a:endParaRPr lang="hu-HU" altLang="en-US"/>
+          </a:p>
+          <a:p>
+            <a:r>
+              <a:rPr lang="hu-HU" altLang="en-US"/>
               <a:t>If we rotate around axis z, coordinate z is left unchanged and x, y are modified. Let us express x, y with polar coordinates r, alpha. Rotation does not modify r, but the polar angle is increased by the rotation algle phi.</a:t>
             </a:r>
           </a:p>
           <a:p>
             <a:r>
-              <a:rPr lang="hu-HU" altLang="en-US" smtClean="0"/>
+              <a:rPr lang="hu-HU" altLang="en-US"/>
               <a:t>Using trigonometric identities, we can express the transformed point</a:t>
             </a:r>
             <a:r>
-              <a:rPr lang="en-US" altLang="en-US" smtClean="0"/>
+              <a:rPr lang="en-US" altLang="en-US"/>
               <a:t>’s x’, y’ coordinates, which indeed can be realized by a matrix multiplication.</a:t>
             </a:r>
           </a:p>
@@ -1660,10 +1658,9 @@
           </a:lstStyle>
           <a:p>
             <a:r>
-              <a:rPr lang="en-US" smtClean="0"/>
+              <a:rPr lang="en-US"/>
               <a:t>Click to edit Master title style</a:t>
             </a:r>
-            <a:endParaRPr lang="en-US"/>
           </a:p>
         </p:txBody>
       </p:sp>
@@ -1725,10 +1722,9 @@
           </a:lstStyle>
           <a:p>
             <a:r>
-              <a:rPr lang="en-US" smtClean="0"/>
+              <a:rPr lang="en-US"/>
               <a:t>Click to edit Master subtitle style</a:t>
             </a:r>
-            <a:endParaRPr lang="en-US"/>
           </a:p>
         </p:txBody>
       </p:sp>
@@ -1749,7 +1745,7 @@
           <a:p>
             <a:fld id="{338A3FAA-9C6C-4F9E-8590-40D8D97A52B8}" type="datetimeFigureOut">
               <a:rPr lang="en-US" smtClean="0"/>
-              <a:t>2/16/2021</a:t>
+              <a:t>2/18/2021</a:t>
             </a:fld>
             <a:endParaRPr lang="en-US"/>
           </a:p>
@@ -1843,10 +1839,9 @@
           <a:lstStyle/>
           <a:p>
             <a:r>
-              <a:rPr lang="en-US" smtClean="0"/>
+              <a:rPr lang="en-US"/>
               <a:t>Click to edit Master title style</a:t>
             </a:r>
-            <a:endParaRPr lang="en-US"/>
           </a:p>
         </p:txBody>
       </p:sp>
@@ -1867,38 +1862,37 @@
           <a:p>
             <a:pPr lvl="0"/>
             <a:r>
-              <a:rPr lang="en-US" smtClean="0"/>
+              <a:rPr lang="en-US"/>
               <a:t>Click to edit Master text styles</a:t>
             </a:r>
           </a:p>
           <a:p>
             <a:pPr lvl="1"/>
             <a:r>
-              <a:rPr lang="en-US" smtClean="0"/>
+              <a:rPr lang="en-US"/>
               <a:t>Second level</a:t>
             </a:r>
           </a:p>
           <a:p>
             <a:pPr lvl="2"/>
             <a:r>
-              <a:rPr lang="en-US" smtClean="0"/>
+              <a:rPr lang="en-US"/>
               <a:t>Third level</a:t>
             </a:r>
           </a:p>
           <a:p>
             <a:pPr lvl="3"/>
             <a:r>
-              <a:rPr lang="en-US" smtClean="0"/>
+              <a:rPr lang="en-US"/>
               <a:t>Fourth level</a:t>
             </a:r>
           </a:p>
           <a:p>
             <a:pPr lvl="4"/>
             <a:r>
-              <a:rPr lang="en-US" smtClean="0"/>
+              <a:rPr lang="en-US"/>
               <a:t>Fifth level</a:t>
             </a:r>
-            <a:endParaRPr lang="en-US"/>
           </a:p>
         </p:txBody>
       </p:sp>
@@ -1919,7 +1913,7 @@
           <a:p>
             <a:fld id="{338A3FAA-9C6C-4F9E-8590-40D8D97A52B8}" type="datetimeFigureOut">
               <a:rPr lang="en-US" smtClean="0"/>
-              <a:t>2/16/2021</a:t>
+              <a:t>2/18/2021</a:t>
             </a:fld>
             <a:endParaRPr lang="en-US"/>
           </a:p>
@@ -2018,10 +2012,9 @@
           <a:lstStyle/>
           <a:p>
             <a:r>
-              <a:rPr lang="en-US" smtClean="0"/>
+              <a:rPr lang="en-US"/>
               <a:t>Click to edit Master title style</a:t>
             </a:r>
-            <a:endParaRPr lang="en-US"/>
           </a:p>
         </p:txBody>
       </p:sp>
@@ -2047,38 +2040,37 @@
           <a:p>
             <a:pPr lvl="0"/>
             <a:r>
-              <a:rPr lang="en-US" smtClean="0"/>
+              <a:rPr lang="en-US"/>
               <a:t>Click to edit Master text styles</a:t>
             </a:r>
           </a:p>
           <a:p>
             <a:pPr lvl="1"/>
             <a:r>
-              <a:rPr lang="en-US" smtClean="0"/>
+              <a:rPr lang="en-US"/>
               <a:t>Second level</a:t>
             </a:r>
           </a:p>
           <a:p>
             <a:pPr lvl="2"/>
             <a:r>
-              <a:rPr lang="en-US" smtClean="0"/>
+              <a:rPr lang="en-US"/>
               <a:t>Third level</a:t>
             </a:r>
           </a:p>
           <a:p>
             <a:pPr lvl="3"/>
             <a:r>
-              <a:rPr lang="en-US" smtClean="0"/>
+              <a:rPr lang="en-US"/>
               <a:t>Fourth level</a:t>
             </a:r>
           </a:p>
           <a:p>
             <a:pPr lvl="4"/>
             <a:r>
-              <a:rPr lang="en-US" smtClean="0"/>
+              <a:rPr lang="en-US"/>
               <a:t>Fifth level</a:t>
             </a:r>
-            <a:endParaRPr lang="en-US"/>
           </a:p>
         </p:txBody>
       </p:sp>
@@ -2099,7 +2091,7 @@
           <a:p>
             <a:fld id="{338A3FAA-9C6C-4F9E-8590-40D8D97A52B8}" type="datetimeFigureOut">
               <a:rPr lang="en-US" smtClean="0"/>
-              <a:t>2/16/2021</a:t>
+              <a:t>2/18/2021</a:t>
             </a:fld>
             <a:endParaRPr lang="en-US"/>
           </a:p>
@@ -2193,10 +2185,9 @@
           <a:lstStyle/>
           <a:p>
             <a:r>
-              <a:rPr lang="en-US" smtClean="0"/>
+              <a:rPr lang="en-US"/>
               <a:t>Click to edit Master title style</a:t>
             </a:r>
-            <a:endParaRPr lang="en-US"/>
           </a:p>
         </p:txBody>
       </p:sp>
@@ -2217,38 +2208,37 @@
           <a:p>
             <a:pPr lvl="0"/>
             <a:r>
-              <a:rPr lang="en-US" smtClean="0"/>
+              <a:rPr lang="en-US"/>
               <a:t>Click to edit Master text styles</a:t>
             </a:r>
           </a:p>
           <a:p>
             <a:pPr lvl="1"/>
             <a:r>
-              <a:rPr lang="en-US" smtClean="0"/>
+              <a:rPr lang="en-US"/>
               <a:t>Second level</a:t>
             </a:r>
           </a:p>
           <a:p>
             <a:pPr lvl="2"/>
             <a:r>
-              <a:rPr lang="en-US" smtClean="0"/>
+              <a:rPr lang="en-US"/>
               <a:t>Third level</a:t>
             </a:r>
           </a:p>
           <a:p>
             <a:pPr lvl="3"/>
             <a:r>
-              <a:rPr lang="en-US" smtClean="0"/>
+              <a:rPr lang="en-US"/>
               <a:t>Fourth level</a:t>
             </a:r>
           </a:p>
           <a:p>
             <a:pPr lvl="4"/>
             <a:r>
-              <a:rPr lang="en-US" smtClean="0"/>
+              <a:rPr lang="en-US"/>
               <a:t>Fifth level</a:t>
             </a:r>
-            <a:endParaRPr lang="en-US"/>
           </a:p>
         </p:txBody>
       </p:sp>
@@ -2269,7 +2259,7 @@
           <a:p>
             <a:fld id="{338A3FAA-9C6C-4F9E-8590-40D8D97A52B8}" type="datetimeFigureOut">
               <a:rPr lang="en-US" smtClean="0"/>
-              <a:t>2/16/2021</a:t>
+              <a:t>2/18/2021</a:t>
             </a:fld>
             <a:endParaRPr lang="en-US"/>
           </a:p>
@@ -2372,10 +2362,9 @@
           </a:lstStyle>
           <a:p>
             <a:r>
-              <a:rPr lang="en-US" smtClean="0"/>
+              <a:rPr lang="en-US"/>
               <a:t>Click to edit Master title style</a:t>
             </a:r>
-            <a:endParaRPr lang="en-US"/>
           </a:p>
         </p:txBody>
       </p:sp>
@@ -2492,7 +2481,7 @@
           <a:p>
             <a:pPr lvl="0"/>
             <a:r>
-              <a:rPr lang="en-US" smtClean="0"/>
+              <a:rPr lang="en-US"/>
               <a:t>Click to edit Master text styles</a:t>
             </a:r>
           </a:p>
@@ -2515,7 +2504,7 @@
           <a:p>
             <a:fld id="{338A3FAA-9C6C-4F9E-8590-40D8D97A52B8}" type="datetimeFigureOut">
               <a:rPr lang="en-US" smtClean="0"/>
-              <a:t>2/16/2021</a:t>
+              <a:t>2/18/2021</a:t>
             </a:fld>
             <a:endParaRPr lang="en-US"/>
           </a:p>
@@ -2609,10 +2598,9 @@
           <a:lstStyle/>
           <a:p>
             <a:r>
-              <a:rPr lang="en-US" smtClean="0"/>
+              <a:rPr lang="en-US"/>
               <a:t>Click to edit Master title style</a:t>
             </a:r>
-            <a:endParaRPr lang="en-US"/>
           </a:p>
         </p:txBody>
       </p:sp>
@@ -2638,38 +2626,37 @@
           <a:p>
             <a:pPr lvl="0"/>
             <a:r>
-              <a:rPr lang="en-US" smtClean="0"/>
+              <a:rPr lang="en-US"/>
               <a:t>Click to edit Master text styles</a:t>
             </a:r>
           </a:p>
           <a:p>
             <a:pPr lvl="1"/>
             <a:r>
-              <a:rPr lang="en-US" smtClean="0"/>
+              <a:rPr lang="en-US"/>
               <a:t>Second level</a:t>
             </a:r>
           </a:p>
           <a:p>
             <a:pPr lvl="2"/>
             <a:r>
-              <a:rPr lang="en-US" smtClean="0"/>
+              <a:rPr lang="en-US"/>
               <a:t>Third level</a:t>
             </a:r>
           </a:p>
           <a:p>
             <a:pPr lvl="3"/>
             <a:r>
-              <a:rPr lang="en-US" smtClean="0"/>
+              <a:rPr lang="en-US"/>
               <a:t>Fourth level</a:t>
             </a:r>
           </a:p>
           <a:p>
             <a:pPr lvl="4"/>
             <a:r>
-              <a:rPr lang="en-US" smtClean="0"/>
+              <a:rPr lang="en-US"/>
               <a:t>Fifth level</a:t>
             </a:r>
-            <a:endParaRPr lang="en-US"/>
           </a:p>
         </p:txBody>
       </p:sp>
@@ -2695,38 +2682,37 @@
           <a:p>
             <a:pPr lvl="0"/>
             <a:r>
-              <a:rPr lang="en-US" smtClean="0"/>
+              <a:rPr lang="en-US"/>
               <a:t>Click to edit Master text styles</a:t>
             </a:r>
           </a:p>
           <a:p>
             <a:pPr lvl="1"/>
             <a:r>
-              <a:rPr lang="en-US" smtClean="0"/>
+              <a:rPr lang="en-US"/>
               <a:t>Second level</a:t>
             </a:r>
           </a:p>
           <a:p>
             <a:pPr lvl="2"/>
             <a:r>
-              <a:rPr lang="en-US" smtClean="0"/>
+              <a:rPr lang="en-US"/>
               <a:t>Third level</a:t>
             </a:r>
           </a:p>
           <a:p>
             <a:pPr lvl="3"/>
             <a:r>
-              <a:rPr lang="en-US" smtClean="0"/>
+              <a:rPr lang="en-US"/>
               <a:t>Fourth level</a:t>
             </a:r>
           </a:p>
           <a:p>
             <a:pPr lvl="4"/>
             <a:r>
-              <a:rPr lang="en-US" smtClean="0"/>
+              <a:rPr lang="en-US"/>
               <a:t>Fifth level</a:t>
             </a:r>
-            <a:endParaRPr lang="en-US"/>
           </a:p>
         </p:txBody>
       </p:sp>
@@ -2747,7 +2733,7 @@
           <a:p>
             <a:fld id="{338A3FAA-9C6C-4F9E-8590-40D8D97A52B8}" type="datetimeFigureOut">
               <a:rPr lang="en-US" smtClean="0"/>
-              <a:t>2/16/2021</a:t>
+              <a:t>2/18/2021</a:t>
             </a:fld>
             <a:endParaRPr lang="en-US"/>
           </a:p>
@@ -2846,10 +2832,9 @@
           <a:lstStyle/>
           <a:p>
             <a:r>
-              <a:rPr lang="en-US" smtClean="0"/>
+              <a:rPr lang="en-US"/>
               <a:t>Click to edit Master title style</a:t>
             </a:r>
-            <a:endParaRPr lang="en-US"/>
           </a:p>
         </p:txBody>
       </p:sp>
@@ -2912,7 +2897,7 @@
           <a:p>
             <a:pPr lvl="0"/>
             <a:r>
-              <a:rPr lang="en-US" smtClean="0"/>
+              <a:rPr lang="en-US"/>
               <a:t>Click to edit Master text styles</a:t>
             </a:r>
           </a:p>
@@ -2940,38 +2925,37 @@
           <a:p>
             <a:pPr lvl="0"/>
             <a:r>
-              <a:rPr lang="en-US" smtClean="0"/>
+              <a:rPr lang="en-US"/>
               <a:t>Click to edit Master text styles</a:t>
             </a:r>
           </a:p>
           <a:p>
             <a:pPr lvl="1"/>
             <a:r>
-              <a:rPr lang="en-US" smtClean="0"/>
+              <a:rPr lang="en-US"/>
               <a:t>Second level</a:t>
             </a:r>
           </a:p>
           <a:p>
             <a:pPr lvl="2"/>
             <a:r>
-              <a:rPr lang="en-US" smtClean="0"/>
+              <a:rPr lang="en-US"/>
               <a:t>Third level</a:t>
             </a:r>
           </a:p>
           <a:p>
             <a:pPr lvl="3"/>
             <a:r>
-              <a:rPr lang="en-US" smtClean="0"/>
+              <a:rPr lang="en-US"/>
               <a:t>Fourth level</a:t>
             </a:r>
           </a:p>
           <a:p>
             <a:pPr lvl="4"/>
             <a:r>
-              <a:rPr lang="en-US" smtClean="0"/>
+              <a:rPr lang="en-US"/>
               <a:t>Fifth level</a:t>
             </a:r>
-            <a:endParaRPr lang="en-US"/>
           </a:p>
         </p:txBody>
       </p:sp>
@@ -3034,7 +3018,7 @@
           <a:p>
             <a:pPr lvl="0"/>
             <a:r>
-              <a:rPr lang="en-US" smtClean="0"/>
+              <a:rPr lang="en-US"/>
               <a:t>Click to edit Master text styles</a:t>
             </a:r>
           </a:p>
@@ -3062,38 +3046,37 @@
           <a:p>
             <a:pPr lvl="0"/>
             <a:r>
-              <a:rPr lang="en-US" smtClean="0"/>
+              <a:rPr lang="en-US"/>
               <a:t>Click to edit Master text styles</a:t>
             </a:r>
           </a:p>
           <a:p>
             <a:pPr lvl="1"/>
             <a:r>
-              <a:rPr lang="en-US" smtClean="0"/>
+              <a:rPr lang="en-US"/>
               <a:t>Second level</a:t>
             </a:r>
           </a:p>
           <a:p>
             <a:pPr lvl="2"/>
             <a:r>
-              <a:rPr lang="en-US" smtClean="0"/>
+              <a:rPr lang="en-US"/>
               <a:t>Third level</a:t>
             </a:r>
           </a:p>
           <a:p>
             <a:pPr lvl="3"/>
             <a:r>
-              <a:rPr lang="en-US" smtClean="0"/>
+              <a:rPr lang="en-US"/>
               <a:t>Fourth level</a:t>
             </a:r>
           </a:p>
           <a:p>
             <a:pPr lvl="4"/>
             <a:r>
-              <a:rPr lang="en-US" smtClean="0"/>
+              <a:rPr lang="en-US"/>
               <a:t>Fifth level</a:t>
             </a:r>
-            <a:endParaRPr lang="en-US"/>
           </a:p>
         </p:txBody>
       </p:sp>
@@ -3114,7 +3097,7 @@
           <a:p>
             <a:fld id="{338A3FAA-9C6C-4F9E-8590-40D8D97A52B8}" type="datetimeFigureOut">
               <a:rPr lang="en-US" smtClean="0"/>
-              <a:t>2/16/2021</a:t>
+              <a:t>2/18/2021</a:t>
             </a:fld>
             <a:endParaRPr lang="en-US"/>
           </a:p>
@@ -3208,10 +3191,9 @@
           <a:lstStyle/>
           <a:p>
             <a:r>
-              <a:rPr lang="en-US" smtClean="0"/>
+              <a:rPr lang="en-US"/>
               <a:t>Click to edit Master title style</a:t>
             </a:r>
-            <a:endParaRPr lang="en-US"/>
           </a:p>
         </p:txBody>
       </p:sp>
@@ -3232,7 +3214,7 @@
           <a:p>
             <a:fld id="{338A3FAA-9C6C-4F9E-8590-40D8D97A52B8}" type="datetimeFigureOut">
               <a:rPr lang="en-US" smtClean="0"/>
-              <a:t>2/16/2021</a:t>
+              <a:t>2/18/2021</a:t>
             </a:fld>
             <a:endParaRPr lang="en-US"/>
           </a:p>
@@ -3327,7 +3309,7 @@
           <a:p>
             <a:fld id="{338A3FAA-9C6C-4F9E-8590-40D8D97A52B8}" type="datetimeFigureOut">
               <a:rPr lang="en-US" smtClean="0"/>
-              <a:t>2/16/2021</a:t>
+              <a:t>2/18/2021</a:t>
             </a:fld>
             <a:endParaRPr lang="en-US"/>
           </a:p>
@@ -3430,10 +3412,9 @@
           </a:lstStyle>
           <a:p>
             <a:r>
-              <a:rPr lang="en-US" smtClean="0"/>
+              <a:rPr lang="en-US"/>
               <a:t>Click to edit Master title style</a:t>
             </a:r>
-            <a:endParaRPr lang="en-US"/>
           </a:p>
         </p:txBody>
       </p:sp>
@@ -3487,38 +3468,37 @@
           <a:p>
             <a:pPr lvl="0"/>
             <a:r>
-              <a:rPr lang="en-US" smtClean="0"/>
+              <a:rPr lang="en-US"/>
               <a:t>Click to edit Master text styles</a:t>
             </a:r>
           </a:p>
           <a:p>
             <a:pPr lvl="1"/>
             <a:r>
-              <a:rPr lang="en-US" smtClean="0"/>
+              <a:rPr lang="en-US"/>
               <a:t>Second level</a:t>
             </a:r>
           </a:p>
           <a:p>
             <a:pPr lvl="2"/>
             <a:r>
-              <a:rPr lang="en-US" smtClean="0"/>
+              <a:rPr lang="en-US"/>
               <a:t>Third level</a:t>
             </a:r>
           </a:p>
           <a:p>
             <a:pPr lvl="3"/>
             <a:r>
-              <a:rPr lang="en-US" smtClean="0"/>
+              <a:rPr lang="en-US"/>
               <a:t>Fourth level</a:t>
             </a:r>
           </a:p>
           <a:p>
             <a:pPr lvl="4"/>
             <a:r>
-              <a:rPr lang="en-US" smtClean="0"/>
+              <a:rPr lang="en-US"/>
               <a:t>Fifth level</a:t>
             </a:r>
-            <a:endParaRPr lang="en-US"/>
           </a:p>
         </p:txBody>
       </p:sp>
@@ -3581,7 +3561,7 @@
           <a:p>
             <a:pPr lvl="0"/>
             <a:r>
-              <a:rPr lang="en-US" smtClean="0"/>
+              <a:rPr lang="en-US"/>
               <a:t>Click to edit Master text styles</a:t>
             </a:r>
           </a:p>
@@ -3604,7 +3584,7 @@
           <a:p>
             <a:fld id="{338A3FAA-9C6C-4F9E-8590-40D8D97A52B8}" type="datetimeFigureOut">
               <a:rPr lang="en-US" smtClean="0"/>
-              <a:t>2/16/2021</a:t>
+              <a:t>2/18/2021</a:t>
             </a:fld>
             <a:endParaRPr lang="en-US"/>
           </a:p>
@@ -3707,10 +3687,9 @@
           </a:lstStyle>
           <a:p>
             <a:r>
-              <a:rPr lang="en-US" smtClean="0"/>
+              <a:rPr lang="en-US"/>
               <a:t>Click to edit Master title style</a:t>
             </a:r>
-            <a:endParaRPr lang="en-US"/>
           </a:p>
         </p:txBody>
       </p:sp>
@@ -3834,7 +3813,7 @@
           <a:p>
             <a:pPr lvl="0"/>
             <a:r>
-              <a:rPr lang="en-US" smtClean="0"/>
+              <a:rPr lang="en-US"/>
               <a:t>Click to edit Master text styles</a:t>
             </a:r>
           </a:p>
@@ -3857,7 +3836,7 @@
           <a:p>
             <a:fld id="{338A3FAA-9C6C-4F9E-8590-40D8D97A52B8}" type="datetimeFigureOut">
               <a:rPr lang="en-US" smtClean="0"/>
-              <a:t>2/16/2021</a:t>
+              <a:t>2/18/2021</a:t>
             </a:fld>
             <a:endParaRPr lang="en-US"/>
           </a:p>
@@ -3966,10 +3945,9 @@
           <a:lstStyle/>
           <a:p>
             <a:r>
-              <a:rPr lang="en-US" noProof="0" dirty="0" smtClean="0"/>
+              <a:rPr lang="en-US" noProof="0" dirty="0"/>
               <a:t>Click to edit Master title style</a:t>
             </a:r>
-            <a:endParaRPr lang="en-US" noProof="0" dirty="0"/>
           </a:p>
         </p:txBody>
       </p:sp>
@@ -4000,38 +3978,37 @@
           <a:p>
             <a:pPr lvl="0"/>
             <a:r>
-              <a:rPr lang="en-US" noProof="0" dirty="0" smtClean="0"/>
+              <a:rPr lang="en-US" noProof="0" dirty="0"/>
               <a:t>Click to edit Master text styles</a:t>
             </a:r>
           </a:p>
           <a:p>
             <a:pPr lvl="1"/>
             <a:r>
-              <a:rPr lang="en-US" noProof="0" dirty="0" smtClean="0"/>
+              <a:rPr lang="en-US" noProof="0" dirty="0"/>
               <a:t>Second level</a:t>
             </a:r>
           </a:p>
           <a:p>
             <a:pPr lvl="2"/>
             <a:r>
-              <a:rPr lang="en-US" noProof="0" dirty="0" smtClean="0"/>
+              <a:rPr lang="en-US" noProof="0" dirty="0"/>
               <a:t>Third level</a:t>
             </a:r>
           </a:p>
           <a:p>
             <a:pPr lvl="3"/>
             <a:r>
-              <a:rPr lang="en-US" noProof="0" dirty="0" smtClean="0"/>
+              <a:rPr lang="en-US" noProof="0" dirty="0"/>
               <a:t>Fourth level</a:t>
             </a:r>
           </a:p>
           <a:p>
             <a:pPr lvl="4"/>
             <a:r>
-              <a:rPr lang="en-US" noProof="0" dirty="0" smtClean="0"/>
+              <a:rPr lang="en-US" noProof="0" dirty="0"/>
               <a:t>Fifth level</a:t>
             </a:r>
-            <a:endParaRPr lang="en-US" noProof="0" dirty="0"/>
           </a:p>
         </p:txBody>
       </p:sp>
@@ -4070,7 +4047,7 @@
           <a:p>
             <a:fld id="{338A3FAA-9C6C-4F9E-8590-40D8D97A52B8}" type="datetimeFigureOut">
               <a:rPr lang="en-US" smtClean="0"/>
-              <a:t>2/16/2021</a:t>
+              <a:t>2/18/2021</a:t>
             </a:fld>
             <a:endParaRPr lang="en-US"/>
           </a:p>
@@ -4493,7 +4470,7 @@
           <a:lstStyle/>
           <a:p>
             <a:r>
-              <a:rPr lang="en-US" dirty="0" smtClean="0">
+              <a:rPr lang="en-US" dirty="0">
                 <a:solidFill>
                   <a:srgbClr val="C00000"/>
                 </a:solidFill>
@@ -4501,7 +4478,7 @@
               <a:t>Computer </a:t>
             </a:r>
             <a:r>
-              <a:rPr lang="hu-HU" dirty="0" smtClean="0">
+              <a:rPr lang="hu-HU" dirty="0">
                 <a:solidFill>
                   <a:srgbClr val="C00000"/>
                 </a:solidFill>
@@ -4509,30 +4486,26 @@
               <a:t>G</a:t>
             </a:r>
             <a:r>
-              <a:rPr lang="en-US" dirty="0" err="1" smtClean="0">
+              <a:rPr lang="en-US" dirty="0" err="1">
                 <a:solidFill>
                   <a:srgbClr val="C00000"/>
                 </a:solidFill>
               </a:rPr>
               <a:t>raphics</a:t>
             </a:r>
-            <a:r>
-              <a:rPr lang="hu-HU" dirty="0" smtClean="0"/>
-              <a:t/>
-            </a:r>
             <a:br>
-              <a:rPr lang="hu-HU" dirty="0" smtClean="0"/>
+              <a:rPr lang="hu-HU" dirty="0"/>
             </a:br>
             <a:r>
-              <a:rPr lang="hu-HU" dirty="0" err="1" smtClean="0"/>
+              <a:rPr lang="hu-HU" dirty="0" err="1"/>
               <a:t>Change</a:t>
             </a:r>
             <a:r>
-              <a:rPr lang="hu-HU" dirty="0" smtClean="0"/>
+              <a:rPr lang="hu-HU" dirty="0"/>
               <a:t> of </a:t>
             </a:r>
             <a:r>
-              <a:rPr lang="hu-HU" dirty="0" err="1" smtClean="0"/>
+              <a:rPr lang="hu-HU" dirty="0" err="1"/>
               <a:t>Basis</a:t>
             </a:r>
             <a:endParaRPr lang="en-US" dirty="0"/>
@@ -4557,12 +4530,8 @@
           <a:lstStyle/>
           <a:p>
             <a:r>
-              <a:rPr lang="hu-HU" dirty="0" smtClean="0"/>
-              <a:t>László </a:t>
-            </a:r>
-            <a:r>
               <a:rPr lang="hu-HU" dirty="0"/>
-              <a:t>Szécsi  </a:t>
+              <a:t>László Szécsi  </a:t>
             </a:r>
             <a:r>
               <a:rPr lang="en-US" altLang="en-US" dirty="0" err="1"/>
@@ -4591,13 +4560,6 @@
   <p:clrMapOvr>
     <a:masterClrMapping/>
   </p:clrMapOvr>
-  <p:timing>
-    <p:tnLst>
-      <p:par>
-        <p:cTn id="1" dur="indefinite" restart="never" nodeType="tmRoot"/>
-      </p:par>
-    </p:tnLst>
-  </p:timing>
 </p:sld>
 </file>
 
@@ -4634,11 +4596,11 @@
           <a:lstStyle/>
           <a:p>
             <a:r>
-              <a:rPr lang="en-US" dirty="0" smtClean="0"/>
+              <a:rPr lang="en-US" dirty="0"/>
               <a:t>How do we scale by (2, -3)</a:t>
             </a:r>
             <a:r>
-              <a:rPr lang="en-US" dirty="0" smtClean="0">
+              <a:rPr lang="en-US" dirty="0">
                 <a:sym typeface="Symbol" panose="05050102010706020507" pitchFamily="18" charset="2"/>
               </a:rPr>
               <a:t>?</a:t>
@@ -4706,7 +4668,7 @@
           <a:lstStyle/>
           <a:p>
             <a:r>
-              <a:rPr lang="en-US" sz="2400" dirty="0" smtClean="0">
+              <a:rPr lang="en-US" sz="2400" dirty="0">
                 <a:solidFill>
                   <a:srgbClr val="FF0000"/>
                 </a:solidFill>
@@ -4716,14 +4678,6 @@
               </a:rPr>
               <a:t>our rotated version</a:t>
             </a:r>
-            <a:endParaRPr lang="en-US" sz="2400" dirty="0">
-              <a:solidFill>
-                <a:srgbClr val="FF0000"/>
-              </a:solidFill>
-              <a:latin typeface="Whipsmart" panose="020B0502030203050204" pitchFamily="34" charset="0"/>
-              <a:ea typeface="+mj-ea"/>
-              <a:cs typeface="+mj-cs"/>
-            </a:endParaRPr>
           </a:p>
         </p:txBody>
       </p:sp>
@@ -4750,7 +4704,7 @@
           <a:lstStyle/>
           <a:p>
             <a:r>
-              <a:rPr lang="en-US" sz="2400" dirty="0" smtClean="0">
+              <a:rPr lang="en-US" sz="2400" dirty="0">
                 <a:solidFill>
                   <a:srgbClr val="FF0000"/>
                 </a:solidFill>
@@ -4760,14 +4714,6 @@
               </a:rPr>
               <a:t>what to write here?</a:t>
             </a:r>
-            <a:endParaRPr lang="en-US" sz="2400" dirty="0">
-              <a:solidFill>
-                <a:srgbClr val="FF0000"/>
-              </a:solidFill>
-              <a:latin typeface="Whipsmart" panose="020B0502030203050204" pitchFamily="34" charset="0"/>
-              <a:ea typeface="+mj-ea"/>
-              <a:cs typeface="+mj-cs"/>
-            </a:endParaRPr>
           </a:p>
         </p:txBody>
       </p:sp>
@@ -5089,7 +5035,7 @@
           <a:lstStyle/>
           <a:p>
             <a:r>
-              <a:rPr lang="en-US" smtClean="0"/>
+              <a:rPr lang="en-US"/>
               <a:t>Matrix-matrix multiplication</a:t>
             </a:r>
             <a:endParaRPr lang="en-US" dirty="0"/>
@@ -5791,10 +5737,9 @@
           <a:lstStyle/>
           <a:p>
             <a:r>
-              <a:rPr lang="en-US" dirty="0" smtClean="0"/>
+              <a:rPr lang="en-US" dirty="0"/>
               <a:t>Tom is now using a different origin, too!?</a:t>
             </a:r>
-            <a:endParaRPr lang="en-US" dirty="0"/>
           </a:p>
         </p:txBody>
       </p:sp>
@@ -5844,18 +5789,7 @@
                 <a:ea typeface="+mj-ea"/>
                 <a:cs typeface="+mj-cs"/>
               </a:rPr>
-              <a:t>Tom </a:t>
-            </a:r>
-            <a:r>
-              <a:rPr lang="en-US" sz="3600" dirty="0" smtClean="0">
-                <a:solidFill>
-                  <a:srgbClr val="FF0000"/>
-                </a:solidFill>
-                <a:latin typeface="Whipsmart" panose="020B0502030203050204" pitchFamily="34" charset="0"/>
-                <a:ea typeface="+mj-ea"/>
-                <a:cs typeface="+mj-cs"/>
-              </a:rPr>
-              <a:t>says</a:t>
+              <a:t>Tom says</a:t>
             </a:r>
           </a:p>
           <a:p>
@@ -5868,7 +5802,7 @@
               </a:spcBef>
             </a:pPr>
             <a:r>
-              <a:rPr lang="en-US" sz="3600" dirty="0" smtClean="0">
+              <a:rPr lang="en-US" sz="3600" dirty="0">
                 <a:solidFill>
                   <a:srgbClr val="FF8500"/>
                 </a:solidFill>
@@ -5907,7 +5841,7 @@
               </a:spcBef>
             </a:pPr>
             <a:r>
-              <a:rPr lang="en-US" sz="3600" dirty="0" smtClean="0">
+              <a:rPr lang="en-US" sz="3600" dirty="0">
                 <a:solidFill>
                   <a:srgbClr val="FF00FF"/>
                 </a:solidFill>
@@ -5927,7 +5861,7 @@
                 <a:spcPct val="0"/>
               </a:spcBef>
             </a:pPr>
-            <a:endParaRPr lang="en-US" sz="3600" dirty="0" smtClean="0">
+            <a:endParaRPr lang="en-US" sz="3600" dirty="0">
               <a:latin typeface="Whipsmart" panose="020B0502030203050204" pitchFamily="34" charset="0"/>
               <a:ea typeface="+mj-ea"/>
               <a:cs typeface="+mj-cs"/>
@@ -5943,7 +5877,7 @@
               </a:spcBef>
             </a:pPr>
             <a:r>
-              <a:rPr lang="en-US" sz="3600" dirty="0" smtClean="0">
+              <a:rPr lang="en-US" sz="3600" dirty="0">
                 <a:latin typeface="Whipsmart" panose="020B0502030203050204" pitchFamily="34" charset="0"/>
                 <a:ea typeface="+mj-ea"/>
                 <a:cs typeface="+mj-cs"/>
@@ -5961,7 +5895,7 @@
               </a:spcBef>
             </a:pPr>
             <a:r>
-              <a:rPr lang="en-US" sz="3600" dirty="0" smtClean="0">
+              <a:rPr lang="en-US" sz="3600" dirty="0">
                 <a:latin typeface="Whipsmart" panose="020B0502030203050204" pitchFamily="34" charset="0"/>
                 <a:ea typeface="+mj-ea"/>
                 <a:cs typeface="+mj-cs"/>
@@ -7394,10 +7328,9 @@
           <a:lstStyle/>
           <a:p>
             <a:r>
-              <a:rPr lang="en-US" dirty="0" smtClean="0"/>
+              <a:rPr lang="en-US" dirty="0"/>
               <a:t>What if we use Tom's coordinates and our coordinates in the same system?</a:t>
             </a:r>
-            <a:endParaRPr lang="en-US" dirty="0"/>
           </a:p>
         </p:txBody>
       </p:sp>
@@ -9150,18 +9083,18 @@
               <a:defRPr/>
             </a:pPr>
             <a:r>
-              <a:rPr lang="hu-HU" dirty="0" err="1" smtClean="0"/>
+              <a:rPr lang="hu-HU" dirty="0" err="1"/>
               <a:t>Affine</a:t>
             </a:r>
             <a:r>
-              <a:rPr lang="hu-HU" dirty="0" smtClean="0"/>
+              <a:rPr lang="hu-HU" dirty="0"/>
               <a:t> </a:t>
             </a:r>
             <a:r>
-              <a:rPr lang="hu-HU" dirty="0" err="1" smtClean="0"/>
+              <a:rPr lang="hu-HU" dirty="0" err="1"/>
               <a:t>transformations</a:t>
             </a:r>
-            <a:endParaRPr lang="hu-HU" dirty="0" smtClean="0"/>
+            <a:endParaRPr lang="hu-HU" dirty="0"/>
           </a:p>
         </p:txBody>
       </p:sp>
@@ -9940,13 +9873,6 @@
   <p:clrMapOvr>
     <a:masterClrMapping/>
   </p:clrMapOvr>
-  <p:timing>
-    <p:tnLst>
-      <p:par>
-        <p:cTn id="1" dur="indefinite" restart="never" nodeType="tmRoot"/>
-      </p:par>
-    </p:tnLst>
-  </p:timing>
 </p:sld>
 </file>
 
@@ -9983,10 +9909,9 @@
           <a:lstStyle/>
           <a:p>
             <a:r>
-              <a:rPr lang="en-US" dirty="0" smtClean="0"/>
+              <a:rPr lang="en-US" dirty="0"/>
               <a:t>Homogeneous coordinates</a:t>
             </a:r>
-            <a:endParaRPr lang="en-US" dirty="0"/>
           </a:p>
         </p:txBody>
       </p:sp>
@@ -10008,38 +9933,38 @@
           <a:lstStyle/>
           <a:p>
             <a:r>
-              <a:rPr lang="en-US" dirty="0" smtClean="0"/>
+              <a:rPr lang="en-US" dirty="0"/>
               <a:t>let us use coordinate triplets to identify 2D points </a:t>
             </a:r>
           </a:p>
           <a:p>
             <a:pPr lvl="1"/>
             <a:r>
-              <a:rPr lang="en-US" dirty="0" smtClean="0"/>
+              <a:rPr lang="en-US" dirty="0"/>
               <a:t>breves (horns) to differentiate </a:t>
             </a:r>
             <a:r>
-              <a:rPr lang="hu-HU" dirty="0" err="1" smtClean="0"/>
+              <a:rPr lang="hu-HU" dirty="0" err="1"/>
               <a:t>from</a:t>
             </a:r>
             <a:r>
-              <a:rPr lang="hu-HU" dirty="0" smtClean="0"/>
+              <a:rPr lang="hu-HU" dirty="0"/>
               <a:t> </a:t>
             </a:r>
             <a:r>
-              <a:rPr lang="en-US" dirty="0" smtClean="0"/>
+              <a:rPr lang="en-US" dirty="0"/>
               <a:t>Cartesian coordinates</a:t>
             </a:r>
           </a:p>
           <a:p>
             <a:r>
-              <a:rPr lang="en-US" dirty="0" smtClean="0"/>
+              <a:rPr lang="en-US" dirty="0"/>
               <a:t>    works as an inverse scaler</a:t>
             </a:r>
           </a:p>
           <a:p>
             <a:r>
-              <a:rPr lang="en-US" dirty="0" smtClean="0"/>
+              <a:rPr lang="en-US" dirty="0"/>
               <a:t>Cartesian coordinates are obtained by division</a:t>
             </a:r>
           </a:p>
@@ -10054,10 +9979,10 @@
           </a:p>
           <a:p>
             <a:r>
-              <a:rPr lang="en-US" dirty="0" smtClean="0"/>
+              <a:rPr lang="en-US" dirty="0"/>
               <a:t>homogeneous coordinates scaled correspond to the same point</a:t>
             </a:r>
-            <a:endParaRPr lang="hu-HU" dirty="0" smtClean="0"/>
+            <a:endParaRPr lang="hu-HU" dirty="0"/>
           </a:p>
           <a:p>
             <a:endParaRPr lang="en-US" dirty="0"/>
@@ -10210,13 +10135,6 @@
   <p:clrMapOvr>
     <a:masterClrMapping/>
   </p:clrMapOvr>
-  <p:timing>
-    <p:tnLst>
-      <p:par>
-        <p:cTn id="1" dur="indefinite" restart="never" nodeType="tmRoot"/>
-      </p:par>
-    </p:tnLst>
-  </p:timing>
 </p:sld>
 </file>
 
@@ -10256,7 +10174,7 @@
               <a:defRPr/>
             </a:pPr>
             <a:r>
-              <a:rPr lang="hu-HU" dirty="0" smtClean="0"/>
+              <a:rPr lang="hu-HU" dirty="0"/>
               <a:t>Homogeneous coordinates for points at infinity: </a:t>
             </a:r>
           </a:p>
@@ -11601,13 +11519,6 @@
   <p:clrMapOvr>
     <a:masterClrMapping/>
   </p:clrMapOvr>
-  <p:timing>
-    <p:tnLst>
-      <p:par>
-        <p:cTn id="1" dur="indefinite" restart="never" nodeType="tmRoot"/>
-      </p:par>
-    </p:tnLst>
-  </p:timing>
 </p:sld>
 </file>
 
@@ -11647,7 +11558,7 @@
               <a:defRPr/>
             </a:pPr>
             <a:r>
-              <a:rPr lang="en-US" dirty="0" smtClean="0"/>
+              <a:rPr lang="en-US" dirty="0"/>
               <a:t>Homogeneous coordinates (3D)</a:t>
             </a:r>
           </a:p>
@@ -12094,13 +12005,6 @@
   <p:clrMapOvr>
     <a:masterClrMapping/>
   </p:clrMapOvr>
-  <p:timing>
-    <p:tnLst>
-      <p:par>
-        <p:cTn id="1" dur="indefinite" restart="never" nodeType="tmRoot"/>
-      </p:par>
-    </p:tnLst>
-  </p:timing>
 </p:sld>
 </file>
 
@@ -12139,25 +12043,20 @@
           <a:lstStyle/>
           <a:p>
             <a:r>
-              <a:rPr lang="en-US" dirty="0" smtClean="0">
+              <a:rPr lang="en-US" dirty="0">
                 <a:solidFill>
                   <a:srgbClr val="C00000"/>
                 </a:solidFill>
               </a:rPr>
               <a:t>Computer Graphics</a:t>
             </a:r>
-            <a:r>
-              <a:rPr lang="en-US" dirty="0" smtClean="0"/>
-              <a:t/>
-            </a:r>
             <a:br>
-              <a:rPr lang="en-US" dirty="0" smtClean="0"/>
+              <a:rPr lang="en-US" dirty="0"/>
             </a:br>
             <a:r>
-              <a:rPr lang="en-US" dirty="0" smtClean="0"/>
+              <a:rPr lang="en-US" dirty="0"/>
               <a:t>Transformations</a:t>
             </a:r>
-            <a:endParaRPr lang="en-US" dirty="0"/>
           </a:p>
         </p:txBody>
       </p:sp>
@@ -12177,24 +12076,23 @@
           <a:lstStyle/>
           <a:p>
             <a:r>
-              <a:rPr lang="hu-HU" dirty="0" smtClean="0"/>
+              <a:rPr lang="hu-HU" dirty="0"/>
               <a:t>László Szécsi  </a:t>
             </a:r>
             <a:r>
-              <a:rPr lang="en-US" altLang="en-US" dirty="0" err="1" smtClean="0"/>
+              <a:rPr lang="en-US" altLang="en-US" dirty="0" err="1"/>
               <a:t>szecsi</a:t>
             </a:r>
             <a:r>
-              <a:rPr lang="hu-HU" altLang="en-US" dirty="0" smtClean="0"/>
+              <a:rPr lang="hu-HU" altLang="en-US" dirty="0"/>
               <a:t>@iit.bme.hu</a:t>
             </a:r>
           </a:p>
           <a:p>
             <a:r>
-              <a:rPr lang="hu-HU" altLang="en-US" dirty="0" smtClean="0"/>
+              <a:rPr lang="hu-HU" altLang="en-US" dirty="0"/>
               <a:t>AIT</a:t>
             </a:r>
-            <a:endParaRPr lang="hu-HU" altLang="en-US" dirty="0"/>
           </a:p>
         </p:txBody>
       </p:sp>
@@ -12208,13 +12106,6 @@
   <p:clrMapOvr>
     <a:masterClrMapping/>
   </p:clrMapOvr>
-  <p:timing>
-    <p:tnLst>
-      <p:par>
-        <p:cTn id="1" dur="indefinite" restart="never" nodeType="tmRoot"/>
-      </p:par>
-    </p:tnLst>
-  </p:timing>
 </p:sld>
 </file>
 
@@ -12254,7 +12145,7 @@
               <a:defRPr/>
             </a:pPr>
             <a:r>
-              <a:rPr lang="en-US" dirty="0" smtClean="0"/>
+              <a:rPr lang="en-US" dirty="0"/>
               <a:t>Homogeneous linear transformations</a:t>
             </a:r>
             <a:endParaRPr lang="hu-HU" dirty="0"/>
@@ -12280,7 +12171,7 @@
               <a:defRPr/>
             </a:pPr>
             <a:r>
-              <a:rPr lang="en-US" dirty="0" smtClean="0"/>
+              <a:rPr lang="en-US" dirty="0"/>
               <a:t>Multiplication of the vector of homogeneous coordinates with a transformation matrix</a:t>
             </a:r>
           </a:p>
@@ -12289,7 +12180,7 @@
               <a:defRPr/>
             </a:pPr>
             <a:r>
-              <a:rPr lang="en-US" dirty="0" smtClean="0"/>
+              <a:rPr lang="en-US" dirty="0"/>
               <a:t>We prefer row vectors for points (matter of taste)</a:t>
             </a:r>
           </a:p>
@@ -12298,17 +12189,9 @@
               <a:defRPr/>
             </a:pPr>
             <a:r>
-              <a:rPr lang="en-US" dirty="0" smtClean="0"/>
+              <a:rPr lang="en-US" dirty="0"/>
               <a:t>2D transformation is a 3x3 matrix</a:t>
             </a:r>
-          </a:p>
-          <a:p>
-            <a:pPr>
-              <a:defRPr/>
-            </a:pPr>
-            <a:endParaRPr lang="en-US" baseline="-25000" dirty="0" smtClean="0">
-              <a:cs typeface="Times New Roman" pitchFamily="18" charset="0"/>
-            </a:endParaRPr>
           </a:p>
           <a:p>
             <a:pPr>
@@ -12322,8 +12205,16 @@
             <a:pPr>
               <a:defRPr/>
             </a:pPr>
-            <a:r>
-              <a:rPr lang="en-US" dirty="0" smtClean="0"/>
+            <a:endParaRPr lang="en-US" baseline="-25000" dirty="0">
+              <a:cs typeface="Times New Roman" pitchFamily="18" charset="0"/>
+            </a:endParaRPr>
+          </a:p>
+          <a:p>
+            <a:pPr>
+              <a:defRPr/>
+            </a:pPr>
+            <a:r>
+              <a:rPr lang="en-US" dirty="0"/>
               <a:t>3D transformation is a 4x4 matrix</a:t>
             </a:r>
           </a:p>
@@ -12427,13 +12318,6 @@
   <p:clrMapOvr>
     <a:masterClrMapping/>
   </p:clrMapOvr>
-  <p:timing>
-    <p:tnLst>
-      <p:par>
-        <p:cTn id="1" dur="indefinite" restart="never" nodeType="tmRoot"/>
-      </p:par>
-    </p:tnLst>
-  </p:timing>
 </p:sld>
 </file>
 
@@ -13656,10 +13540,9 @@
           <a:lstStyle/>
           <a:p>
             <a:r>
-              <a:rPr lang="en-US" dirty="0" smtClean="0"/>
+              <a:rPr lang="en-US" dirty="0"/>
               <a:t>Our coordinate system</a:t>
             </a:r>
-            <a:endParaRPr lang="en-US" dirty="0"/>
           </a:p>
         </p:txBody>
       </p:sp>
@@ -14142,10 +14025,10 @@
               <a:defRPr/>
             </a:pPr>
             <a:r>
-              <a:rPr lang="en-US" dirty="0" smtClean="0"/>
+              <a:rPr lang="en-US" dirty="0"/>
               <a:t>Transformation concatenation</a:t>
             </a:r>
-            <a:endParaRPr lang="hu-HU" dirty="0" smtClean="0"/>
+            <a:endParaRPr lang="hu-HU" dirty="0"/>
           </a:p>
         </p:txBody>
       </p:sp>
@@ -14172,19 +14055,7 @@
           <a:p>
             <a:r>
               <a:rPr lang="en-US" altLang="en-US" dirty="0"/>
-              <a:t>If points are </a:t>
-            </a:r>
-            <a:r>
-              <a:rPr lang="en-US" altLang="en-US" dirty="0" smtClean="0"/>
-              <a:t>row vectors</a:t>
-            </a:r>
-            <a:r>
-              <a:rPr lang="en-US" altLang="en-US" dirty="0"/>
-              <a:t>, the order of </a:t>
-            </a:r>
-            <a:r>
-              <a:rPr lang="en-US" altLang="en-US" dirty="0" smtClean="0"/>
-              <a:t>matrices in the product is the same as the order of transformations.</a:t>
+              <a:t>If points are row vectors, the order of matrices in the product is the same as the order of transformations.</a:t>
             </a:r>
             <a:endParaRPr lang="hu-HU" altLang="en-US" dirty="0"/>
           </a:p>
@@ -14237,13 +14108,6 @@
   <p:clrMapOvr>
     <a:masterClrMapping/>
   </p:clrMapOvr>
-  <p:timing>
-    <p:tnLst>
-      <p:par>
-        <p:cTn id="1" dur="indefinite" restart="never" nodeType="tmRoot"/>
-      </p:par>
-    </p:tnLst>
-  </p:timing>
 </p:sld>
 </file>
 
@@ -14283,7 +14147,7 @@
               <a:defRPr/>
             </a:pPr>
             <a:r>
-              <a:rPr lang="en-US" dirty="0" smtClean="0"/>
+              <a:rPr lang="en-US" dirty="0"/>
               <a:t>Translation</a:t>
             </a:r>
           </a:p>
@@ -14848,72 +14712,61 @@
           <a:lstStyle/>
           <a:p>
             <a:r>
-              <a:rPr lang="en-US" dirty="0" err="1" smtClean="0">
+              <a:rPr lang="en-US" dirty="0" err="1">
                 <a:latin typeface="Consolas" panose="020B0609020204030204" pitchFamily="49" charset="0"/>
                 <a:cs typeface="Consolas" panose="020B0609020204030204" pitchFamily="49" charset="0"/>
               </a:rPr>
               <a:t>val</a:t>
             </a:r>
             <a:r>
-              <a:rPr lang="en-US" dirty="0" smtClean="0">
+              <a:rPr lang="en-US" dirty="0">
                 <a:latin typeface="Consolas" panose="020B0609020204030204" pitchFamily="49" charset="0"/>
                 <a:cs typeface="Consolas" panose="020B0609020204030204" pitchFamily="49" charset="0"/>
               </a:rPr>
-              <a:t> m = Mat4</a:t>
-            </a:r>
-            <a:r>
-              <a:rPr lang="en-US" dirty="0" smtClean="0">
-                <a:latin typeface="Consolas" panose="020B0609020204030204" pitchFamily="49" charset="0"/>
-                <a:cs typeface="Consolas" panose="020B0609020204030204" pitchFamily="49" charset="0"/>
-              </a:rPr>
-              <a:t>().translate(</a:t>
-            </a:r>
-            <a:r>
-              <a:rPr lang="en-US" dirty="0" err="1" smtClean="0">
+              <a:t> m = Mat4().translate(</a:t>
+            </a:r>
+            <a:r>
+              <a:rPr lang="en-US" dirty="0" err="1">
                 <a:latin typeface="Consolas" panose="020B0609020204030204" pitchFamily="49" charset="0"/>
                 <a:cs typeface="Consolas" panose="020B0609020204030204" pitchFamily="49" charset="0"/>
               </a:rPr>
               <a:t>qx</a:t>
             </a:r>
             <a:r>
-              <a:rPr lang="en-US" dirty="0" smtClean="0">
+              <a:rPr lang="en-US" dirty="0">
                 <a:latin typeface="Consolas" panose="020B0609020204030204" pitchFamily="49" charset="0"/>
                 <a:cs typeface="Consolas" panose="020B0609020204030204" pitchFamily="49" charset="0"/>
               </a:rPr>
               <a:t>, </a:t>
             </a:r>
             <a:r>
-              <a:rPr lang="en-US" dirty="0" err="1" smtClean="0">
+              <a:rPr lang="en-US" dirty="0" err="1">
                 <a:latin typeface="Consolas" panose="020B0609020204030204" pitchFamily="49" charset="0"/>
                 <a:cs typeface="Consolas" panose="020B0609020204030204" pitchFamily="49" charset="0"/>
               </a:rPr>
               <a:t>qy</a:t>
             </a:r>
             <a:r>
-              <a:rPr lang="en-US" dirty="0" smtClean="0">
+              <a:rPr lang="en-US" dirty="0">
                 <a:latin typeface="Consolas" panose="020B0609020204030204" pitchFamily="49" charset="0"/>
                 <a:cs typeface="Consolas" panose="020B0609020204030204" pitchFamily="49" charset="0"/>
               </a:rPr>
               <a:t>, </a:t>
             </a:r>
             <a:r>
-              <a:rPr lang="en-US" dirty="0" err="1" smtClean="0">
+              <a:rPr lang="en-US" dirty="0" err="1">
                 <a:latin typeface="Consolas" panose="020B0609020204030204" pitchFamily="49" charset="0"/>
                 <a:cs typeface="Consolas" panose="020B0609020204030204" pitchFamily="49" charset="0"/>
               </a:rPr>
               <a:t>qz</a:t>
             </a:r>
             <a:r>
-              <a:rPr lang="en-US" dirty="0" smtClean="0">
+              <a:rPr lang="en-US" dirty="0">
                 <a:latin typeface="Consolas" panose="020B0609020204030204" pitchFamily="49" charset="0"/>
                 <a:cs typeface="Consolas" panose="020B0609020204030204" pitchFamily="49" charset="0"/>
               </a:rPr>
               <a:t>)</a:t>
             </a:r>
-            <a:endParaRPr lang="en-US" dirty="0" smtClean="0">
-              <a:latin typeface="Consolas" panose="020B0609020204030204" pitchFamily="49" charset="0"/>
-              <a:cs typeface="Consolas" panose="020B0609020204030204" pitchFamily="49" charset="0"/>
-            </a:endParaRPr>
           </a:p>
         </p:txBody>
       </p:sp>
@@ -15106,7 +14959,7 @@
               <a:defRPr/>
             </a:pPr>
             <a:r>
-              <a:rPr lang="en-US" dirty="0" smtClean="0"/>
+              <a:rPr lang="en-US" dirty="0"/>
               <a:t>Scaling</a:t>
             </a:r>
           </a:p>
@@ -15637,14 +15490,14 @@
           <a:lstStyle/>
           <a:p>
             <a:r>
-              <a:rPr lang="en-US" dirty="0" err="1" smtClean="0">
+              <a:rPr lang="en-US" dirty="0" err="1">
                 <a:latin typeface="Consolas" panose="020B0609020204030204" pitchFamily="49" charset="0"/>
                 <a:cs typeface="Consolas" panose="020B0609020204030204" pitchFamily="49" charset="0"/>
               </a:rPr>
               <a:t>val</a:t>
             </a:r>
             <a:r>
-              <a:rPr lang="hu-HU" dirty="0" smtClean="0">
+              <a:rPr lang="hu-HU" dirty="0">
                 <a:latin typeface="Consolas" panose="020B0609020204030204" pitchFamily="49" charset="0"/>
                 <a:cs typeface="Consolas" panose="020B0609020204030204" pitchFamily="49" charset="0"/>
               </a:rPr>
@@ -15655,21 +15508,7 @@
                 <a:latin typeface="Consolas" panose="020B0609020204030204" pitchFamily="49" charset="0"/>
                 <a:cs typeface="Consolas" panose="020B0609020204030204" pitchFamily="49" charset="0"/>
               </a:rPr>
-              <a:t>m </a:t>
-            </a:r>
-            <a:r>
-              <a:rPr lang="en-US" dirty="0" smtClean="0">
-                <a:latin typeface="Consolas" panose="020B0609020204030204" pitchFamily="49" charset="0"/>
-                <a:cs typeface="Consolas" panose="020B0609020204030204" pitchFamily="49" charset="0"/>
-              </a:rPr>
-              <a:t>= Mat4</a:t>
-            </a:r>
-            <a:r>
-              <a:rPr lang="en-US" dirty="0">
-                <a:latin typeface="Consolas" panose="020B0609020204030204" pitchFamily="49" charset="0"/>
-                <a:cs typeface="Consolas" panose="020B0609020204030204" pitchFamily="49" charset="0"/>
-              </a:rPr>
-              <a:t>().scale(</a:t>
+              <a:t>m = Mat4().scale(</a:t>
             </a:r>
             <a:r>
               <a:rPr lang="en-US" dirty="0" err="1">
@@ -15707,16 +15546,12 @@
               <a:t>sz</a:t>
             </a:r>
             <a:r>
-              <a:rPr lang="en-US" dirty="0" smtClean="0">
+              <a:rPr lang="en-US" dirty="0">
                 <a:latin typeface="Consolas" panose="020B0609020204030204" pitchFamily="49" charset="0"/>
                 <a:cs typeface="Consolas" panose="020B0609020204030204" pitchFamily="49" charset="0"/>
               </a:rPr>
               <a:t>)</a:t>
             </a:r>
-            <a:endParaRPr lang="en-US" dirty="0">
-              <a:latin typeface="Consolas" panose="020B0609020204030204" pitchFamily="49" charset="0"/>
-              <a:cs typeface="Consolas" panose="020B0609020204030204" pitchFamily="49" charset="0"/>
-            </a:endParaRPr>
           </a:p>
         </p:txBody>
       </p:sp>
@@ -15908,14 +15743,14 @@
               <a:defRPr/>
             </a:pPr>
             <a:r>
-              <a:rPr lang="en-US" dirty="0" smtClean="0"/>
+              <a:rPr lang="en-US" dirty="0"/>
               <a:t>Rotation around axis </a:t>
             </a:r>
             <a:r>
-              <a:rPr lang="en-US" i="1" dirty="0" smtClean="0"/>
+              <a:rPr lang="en-US" i="1" dirty="0"/>
               <a:t>z</a:t>
             </a:r>
-            <a:endParaRPr lang="hu-HU" i="1" dirty="0" smtClean="0"/>
+            <a:endParaRPr lang="hu-HU" i="1" dirty="0"/>
           </a:p>
         </p:txBody>
       </p:sp>
@@ -16274,14 +16109,14 @@
           <a:lstStyle/>
           <a:p>
             <a:r>
-              <a:rPr lang="en-US" dirty="0" err="1" smtClean="0">
+              <a:rPr lang="en-US" dirty="0" err="1">
                 <a:latin typeface="Consolas" panose="020B0609020204030204" pitchFamily="49" charset="0"/>
                 <a:cs typeface="Consolas" panose="020B0609020204030204" pitchFamily="49" charset="0"/>
               </a:rPr>
               <a:t>val</a:t>
             </a:r>
             <a:r>
-              <a:rPr lang="hu-HU" dirty="0" smtClean="0">
+              <a:rPr lang="hu-HU" dirty="0">
                 <a:latin typeface="Consolas" panose="020B0609020204030204" pitchFamily="49" charset="0"/>
                 <a:cs typeface="Consolas" panose="020B0609020204030204" pitchFamily="49" charset="0"/>
               </a:rPr>
@@ -16292,33 +16127,8 @@
                 <a:latin typeface="Consolas" panose="020B0609020204030204" pitchFamily="49" charset="0"/>
                 <a:cs typeface="Consolas" panose="020B0609020204030204" pitchFamily="49" charset="0"/>
               </a:rPr>
-              <a:t>m </a:t>
-            </a:r>
-            <a:r>
-              <a:rPr lang="en-US" dirty="0" smtClean="0">
-                <a:latin typeface="Consolas" panose="020B0609020204030204" pitchFamily="49" charset="0"/>
-                <a:cs typeface="Consolas" panose="020B0609020204030204" pitchFamily="49" charset="0"/>
-              </a:rPr>
-              <a:t>= Mat4</a:t>
-            </a:r>
-            <a:r>
-              <a:rPr lang="en-US" dirty="0">
-                <a:latin typeface="Consolas" panose="020B0609020204030204" pitchFamily="49" charset="0"/>
-                <a:cs typeface="Consolas" panose="020B0609020204030204" pitchFamily="49" charset="0"/>
-              </a:rPr>
-              <a:t>().rotate(phi</a:t>
-            </a:r>
-            <a:r>
-              <a:rPr lang="en-US" dirty="0" smtClean="0">
-                <a:latin typeface="Consolas" panose="020B0609020204030204" pitchFamily="49" charset="0"/>
-                <a:cs typeface="Consolas" panose="020B0609020204030204" pitchFamily="49" charset="0"/>
-              </a:rPr>
-              <a:t>)</a:t>
-            </a:r>
-            <a:endParaRPr lang="en-US" dirty="0">
-              <a:latin typeface="Consolas" panose="020B0609020204030204" pitchFamily="49" charset="0"/>
-              <a:cs typeface="Consolas" panose="020B0609020204030204" pitchFamily="49" charset="0"/>
-            </a:endParaRPr>
+              <a:t>m = Mat4().rotate(phi)</a:t>
+            </a:r>
           </a:p>
         </p:txBody>
       </p:sp>
@@ -16466,19 +16276,19 @@
           </a:lstStyle>
           <a:p>
             <a:r>
-              <a:rPr lang="en-US" altLang="en-US" dirty="0" smtClean="0">
+              <a:rPr lang="en-US" altLang="en-US" dirty="0">
                 <a:latin typeface="Whipsmart" pitchFamily="34" charset="0"/>
               </a:rPr>
               <a:t>phi in </a:t>
             </a:r>
             <a:r>
-              <a:rPr lang="hu-HU" altLang="en-US" dirty="0" err="1" smtClean="0">
+              <a:rPr lang="hu-HU" altLang="en-US" dirty="0" err="1">
                 <a:latin typeface="Whipsmart" pitchFamily="34" charset="0"/>
               </a:rPr>
               <a:t>radians</a:t>
             </a:r>
             <a:r>
-              <a:rPr lang="en-US" altLang="en-US" dirty="0" smtClean="0">
+              <a:rPr lang="en-US" altLang="en-US" dirty="0">
                 <a:latin typeface="Whipsmart" pitchFamily="34" charset="0"/>
               </a:rPr>
               <a:t>!</a:t>
@@ -16624,10 +16434,10 @@
               <a:defRPr/>
             </a:pPr>
             <a:r>
-              <a:rPr lang="en-US" dirty="0" smtClean="0"/>
+              <a:rPr lang="en-US" dirty="0"/>
               <a:t>Rotation around an arbitrary axis</a:t>
             </a:r>
-            <a:endParaRPr lang="hu-HU" i="1" dirty="0" smtClean="0"/>
+            <a:endParaRPr lang="hu-HU" i="1" dirty="0"/>
           </a:p>
         </p:txBody>
       </p:sp>
@@ -16770,14 +16580,14 @@
           <a:lstStyle/>
           <a:p>
             <a:r>
-              <a:rPr lang="en-US" dirty="0" err="1" smtClean="0">
+              <a:rPr lang="en-US" dirty="0" err="1">
                 <a:latin typeface="Consolas" panose="020B0609020204030204" pitchFamily="49" charset="0"/>
                 <a:cs typeface="Consolas" panose="020B0609020204030204" pitchFamily="49" charset="0"/>
               </a:rPr>
               <a:t>val</a:t>
             </a:r>
             <a:r>
-              <a:rPr lang="hu-HU" dirty="0" smtClean="0">
+              <a:rPr lang="hu-HU" dirty="0">
                 <a:latin typeface="Consolas" panose="020B0609020204030204" pitchFamily="49" charset="0"/>
                 <a:cs typeface="Consolas" panose="020B0609020204030204" pitchFamily="49" charset="0"/>
               </a:rPr>
@@ -16788,21 +16598,7 @@
                 <a:latin typeface="Consolas" panose="020B0609020204030204" pitchFamily="49" charset="0"/>
                 <a:cs typeface="Consolas" panose="020B0609020204030204" pitchFamily="49" charset="0"/>
               </a:rPr>
-              <a:t>m </a:t>
-            </a:r>
-            <a:r>
-              <a:rPr lang="en-US" dirty="0" smtClean="0">
-                <a:latin typeface="Consolas" panose="020B0609020204030204" pitchFamily="49" charset="0"/>
-                <a:cs typeface="Consolas" panose="020B0609020204030204" pitchFamily="49" charset="0"/>
-              </a:rPr>
-              <a:t>= Mat4</a:t>
-            </a:r>
-            <a:r>
-              <a:rPr lang="en-US" dirty="0">
-                <a:latin typeface="Consolas" panose="020B0609020204030204" pitchFamily="49" charset="0"/>
-                <a:cs typeface="Consolas" panose="020B0609020204030204" pitchFamily="49" charset="0"/>
-              </a:rPr>
-              <a:t>().rotate(phi, </a:t>
+              <a:t>m = Mat4().rotate(phi, </a:t>
             </a:r>
             <a:r>
               <a:rPr lang="en-US" dirty="0" err="1">
@@ -16840,16 +16636,12 @@
               <a:t>kz</a:t>
             </a:r>
             <a:r>
-              <a:rPr lang="en-US" dirty="0" smtClean="0">
+              <a:rPr lang="en-US" dirty="0">
                 <a:latin typeface="Consolas" panose="020B0609020204030204" pitchFamily="49" charset="0"/>
                 <a:cs typeface="Consolas" panose="020B0609020204030204" pitchFamily="49" charset="0"/>
               </a:rPr>
               <a:t>)</a:t>
             </a:r>
-            <a:endParaRPr lang="en-US" dirty="0">
-              <a:latin typeface="Consolas" panose="020B0609020204030204" pitchFamily="49" charset="0"/>
-              <a:cs typeface="Consolas" panose="020B0609020204030204" pitchFamily="49" charset="0"/>
-            </a:endParaRPr>
           </a:p>
         </p:txBody>
       </p:sp>
@@ -16997,19 +16789,19 @@
           </a:lstStyle>
           <a:p>
             <a:r>
-              <a:rPr lang="en-US" altLang="en-US" dirty="0" smtClean="0">
+              <a:rPr lang="en-US" altLang="en-US" dirty="0">
                 <a:latin typeface="Whipsmart" pitchFamily="34" charset="0"/>
               </a:rPr>
               <a:t>phi in </a:t>
             </a:r>
             <a:r>
-              <a:rPr lang="hu-HU" altLang="en-US" dirty="0" err="1" smtClean="0">
+              <a:rPr lang="hu-HU" altLang="en-US" dirty="0" err="1">
                 <a:latin typeface="Whipsmart" pitchFamily="34" charset="0"/>
               </a:rPr>
               <a:t>radians</a:t>
             </a:r>
             <a:r>
-              <a:rPr lang="en-US" altLang="en-US" dirty="0" smtClean="0">
+              <a:rPr lang="en-US" altLang="en-US" dirty="0">
                 <a:latin typeface="Whipsmart" pitchFamily="34" charset="0"/>
               </a:rPr>
               <a:t>!</a:t>
@@ -17186,11 +16978,11 @@
           <a:lstStyle/>
           <a:p>
             <a:r>
-              <a:rPr lang="en-US" dirty="0" smtClean="0"/>
+              <a:rPr lang="en-US" dirty="0"/>
               <a:t>T</a:t>
             </a:r>
             <a:r>
-              <a:rPr lang="hu-HU" dirty="0" smtClean="0"/>
+              <a:rPr lang="hu-HU" dirty="0"/>
               <a:t>ransforming vertex shader</a:t>
             </a:r>
             <a:endParaRPr lang="en-US" sz="2000" dirty="0"/>
@@ -17215,11 +17007,11 @@
           <a:lstStyle/>
           <a:p>
             <a:r>
-              <a:rPr lang="hu-HU" dirty="0" err="1" smtClean="0"/>
+              <a:rPr lang="hu-HU" dirty="0" err="1"/>
               <a:t>instead</a:t>
             </a:r>
             <a:r>
-              <a:rPr lang="hu-HU" dirty="0" smtClean="0"/>
+              <a:rPr lang="hu-HU" dirty="0"/>
               <a:t> of </a:t>
             </a:r>
           </a:p>
@@ -17272,7 +17064,7 @@
               <a:t>vec3 </a:t>
             </a:r>
             <a:r>
-              <a:rPr lang="hu-HU" sz="2000" strike="sngStrike" dirty="0" err="1" smtClean="0">
+              <a:rPr lang="hu-HU" sz="2000" strike="sngStrike" dirty="0" err="1">
                 <a:solidFill>
                   <a:srgbClr val="FF0000"/>
                 </a:solidFill>
@@ -17282,14 +17074,14 @@
               <a:t>position</a:t>
             </a:r>
             <a:r>
-              <a:rPr lang="en-US" sz="2000" dirty="0" smtClean="0">
+              <a:rPr lang="en-US" sz="2000" dirty="0">
                 <a:latin typeface="Consolas" panose="020B0609020204030204" pitchFamily="49" charset="0"/>
                 <a:cs typeface="Consolas" panose="020B0609020204030204" pitchFamily="49" charset="0"/>
               </a:rPr>
               <a:t> </a:t>
             </a:r>
             <a:r>
-              <a:rPr lang="en-US" sz="2000" dirty="0" smtClean="0">
+              <a:rPr lang="en-US" sz="2000" dirty="0">
                 <a:solidFill>
                   <a:schemeClr val="bg1">
                     <a:lumMod val="50000"/>
@@ -17325,7 +17117,7 @@
               <a:t>;</a:t>
             </a:r>
             <a:r>
-              <a:rPr lang="hu-HU" dirty="0" smtClean="0"/>
+              <a:rPr lang="hu-HU" dirty="0"/>
               <a:t>, we use</a:t>
             </a:r>
           </a:p>
@@ -17412,7 +17204,7 @@
               </a:rPr>
               <a:t>;</a:t>
             </a:r>
-            <a:endParaRPr lang="hu-HU" dirty="0" smtClean="0">
+            <a:endParaRPr lang="hu-HU" dirty="0">
               <a:solidFill>
                 <a:schemeClr val="bg1">
                   <a:lumMod val="50000"/>
@@ -17424,37 +17216,37 @@
           </a:p>
           <a:p>
             <a:r>
-              <a:rPr lang="hu-HU" dirty="0" smtClean="0"/>
+              <a:rPr lang="hu-HU" dirty="0"/>
               <a:t>instead of </a:t>
             </a:r>
             <a:r>
-              <a:rPr lang="hu-HU" dirty="0" err="1" smtClean="0"/>
+              <a:rPr lang="hu-HU" dirty="0" err="1"/>
               <a:t>adding</a:t>
             </a:r>
             <a:r>
-              <a:rPr lang="hu-HU" dirty="0" smtClean="0"/>
+              <a:rPr lang="hu-HU" dirty="0"/>
               <a:t> </a:t>
             </a:r>
             <a:r>
-              <a:rPr lang="hu-HU" sz="2400" dirty="0" err="1" smtClean="0">
+              <a:rPr lang="hu-HU" sz="2400" dirty="0" err="1">
                 <a:latin typeface="Consolas" panose="020B0609020204030204" pitchFamily="49" charset="0"/>
                 <a:cs typeface="Consolas" panose="020B0609020204030204" pitchFamily="49" charset="0"/>
               </a:rPr>
               <a:t>gameObject.position</a:t>
             </a:r>
             <a:r>
-              <a:rPr lang="hu-HU" dirty="0" smtClean="0"/>
+              <a:rPr lang="hu-HU" dirty="0"/>
               <a:t>, we</a:t>
             </a:r>
           </a:p>
           <a:p>
             <a:pPr lvl="1"/>
             <a:r>
-              <a:rPr lang="hu-HU" dirty="0" err="1" smtClean="0"/>
+              <a:rPr lang="hu-HU" dirty="0" err="1"/>
               <a:t>multiply</a:t>
             </a:r>
             <a:r>
-              <a:rPr lang="hu-HU" dirty="0" smtClean="0"/>
+              <a:rPr lang="hu-HU" dirty="0"/>
               <a:t> </a:t>
             </a:r>
             <a:r>
@@ -17483,7 +17275,7 @@
               <a:t> </a:t>
             </a:r>
             <a:r>
-              <a:rPr lang="hu-HU" dirty="0" smtClean="0"/>
+              <a:rPr lang="hu-HU" dirty="0"/>
               <a:t>with </a:t>
             </a:r>
             <a:r>
@@ -17508,14 +17300,14 @@
               <a:t>modelMatrix</a:t>
             </a:r>
             <a:r>
-              <a:rPr lang="hu-HU" dirty="0" smtClean="0"/>
+              <a:rPr lang="hu-HU" dirty="0"/>
               <a:t> from the </a:t>
             </a:r>
             <a:r>
-              <a:rPr lang="en-US" dirty="0" smtClean="0"/>
+              <a:rPr lang="en-US" dirty="0"/>
               <a:t>right</a:t>
             </a:r>
-            <a:endParaRPr lang="hu-HU" dirty="0" smtClean="0"/>
+            <a:endParaRPr lang="hu-HU" dirty="0"/>
           </a:p>
           <a:p>
             <a:pPr lvl="1"/>
@@ -17566,27 +17358,7 @@
                   </a:schemeClr>
                 </a:solidFill>
               </a:rPr>
-              <a:t>also </a:t>
-            </a:r>
-            <a:r>
-              <a:rPr lang="hu-HU" dirty="0" smtClean="0">
-                <a:solidFill>
-                  <a:schemeClr val="bg1">
-                    <a:lumMod val="50000"/>
-                  </a:schemeClr>
-                </a:solidFill>
-              </a:rPr>
-              <a:t>pass on </a:t>
-            </a:r>
-            <a:r>
-              <a:rPr lang="hu-HU" dirty="0">
-                <a:solidFill>
-                  <a:schemeClr val="bg1">
-                    <a:lumMod val="50000"/>
-                  </a:schemeClr>
-                </a:solidFill>
-              </a:rPr>
-              <a:t>color</a:t>
+              <a:t>also pass on color</a:t>
             </a:r>
           </a:p>
         </p:txBody>
@@ -17738,7 +17510,7 @@
           <a:lstStyle/>
           <a:p>
             <a:r>
-              <a:rPr lang="en-US" sz="20000" dirty="0" smtClean="0">
+              <a:rPr lang="en-US" sz="20000" dirty="0">
                 <a:solidFill>
                   <a:srgbClr val="00B050"/>
                 </a:solidFill>
@@ -17746,12 +17518,6 @@
               </a:rPr>
               <a:t>.</a:t>
             </a:r>
-            <a:endParaRPr lang="en-US" sz="20000" dirty="0">
-              <a:solidFill>
-                <a:srgbClr val="00B050"/>
-              </a:solidFill>
-              <a:latin typeface="Whipsmart" panose="020B0502030203050204" pitchFamily="34" charset="0"/>
-            </a:endParaRPr>
           </a:p>
         </p:txBody>
       </p:sp>
@@ -17801,20 +17567,16 @@
           <a:lstStyle/>
           <a:p>
             <a:r>
-              <a:rPr lang="hu-HU" dirty="0" smtClean="0"/>
+              <a:rPr lang="hu-HU" dirty="0"/>
               <a:t>On the </a:t>
             </a:r>
             <a:r>
-              <a:rPr lang="en-US" dirty="0" err="1" smtClean="0"/>
+              <a:rPr lang="en-US" dirty="0" err="1"/>
               <a:t>Kotlin</a:t>
             </a:r>
             <a:r>
-              <a:rPr lang="hu-HU" dirty="0" smtClean="0"/>
-              <a:t> </a:t>
-            </a:r>
-            <a:r>
-              <a:rPr lang="hu-HU" dirty="0" smtClean="0"/>
-              <a:t>side</a:t>
+              <a:rPr lang="hu-HU" dirty="0"/>
+              <a:t> side</a:t>
             </a:r>
             <a:endParaRPr lang="en-US" dirty="0"/>
           </a:p>
@@ -17836,53 +17598,53 @@
           <a:lstStyle/>
           <a:p>
             <a:r>
-              <a:rPr lang="hu-HU" dirty="0" err="1" smtClean="0"/>
+              <a:rPr lang="hu-HU" dirty="0" err="1"/>
               <a:t>create</a:t>
             </a:r>
             <a:r>
-              <a:rPr lang="hu-HU" dirty="0" smtClean="0"/>
+              <a:rPr lang="hu-HU" dirty="0"/>
               <a:t> a </a:t>
             </a:r>
             <a:r>
-              <a:rPr lang="hu-HU" dirty="0" err="1" smtClean="0"/>
+              <a:rPr lang="hu-HU" dirty="0" err="1"/>
               <a:t>translation</a:t>
             </a:r>
             <a:r>
-              <a:rPr lang="hu-HU" dirty="0" smtClean="0"/>
+              <a:rPr lang="hu-HU" dirty="0"/>
               <a:t> </a:t>
             </a:r>
             <a:r>
-              <a:rPr lang="hu-HU" dirty="0" err="1" smtClean="0"/>
+              <a:rPr lang="hu-HU" dirty="0" err="1"/>
               <a:t>matrix</a:t>
             </a:r>
             <a:r>
-              <a:rPr lang="hu-HU" dirty="0" smtClean="0"/>
+              <a:rPr lang="hu-HU" dirty="0"/>
               <a:t> </a:t>
             </a:r>
             <a:r>
-              <a:rPr lang="en-US" dirty="0" smtClean="0"/>
+              <a:rPr lang="en-US" dirty="0"/>
               <a:t>using </a:t>
             </a:r>
             <a:r>
-              <a:rPr lang="en-US" dirty="0" err="1" smtClean="0">
+              <a:rPr lang="en-US" dirty="0" err="1">
                 <a:latin typeface="Consolas" panose="020B0609020204030204" pitchFamily="49" charset="0"/>
                 <a:cs typeface="Consolas" panose="020B0609020204030204" pitchFamily="49" charset="0"/>
               </a:rPr>
               <a:t>avatarPosition</a:t>
             </a:r>
             <a:r>
-              <a:rPr lang="hu-HU" dirty="0" smtClean="0"/>
+              <a:rPr lang="hu-HU" dirty="0"/>
               <a:t> and </a:t>
             </a:r>
             <a:r>
-              <a:rPr lang="en-US" dirty="0" smtClean="0"/>
+              <a:rPr lang="en-US" dirty="0"/>
               <a:t>pass</a:t>
             </a:r>
             <a:r>
-              <a:rPr lang="hu-HU" dirty="0" smtClean="0"/>
+              <a:rPr lang="hu-HU" dirty="0"/>
               <a:t> it to the uniform</a:t>
             </a:r>
-            <a:endParaRPr lang="en-US" dirty="0" smtClean="0"/>
+            <a:endParaRPr lang="en-US" dirty="0"/>
           </a:p>
         </p:txBody>
       </p:sp>
@@ -17933,7 +17695,7 @@
               </a:lnSpc>
             </a:pPr>
             <a:r>
-              <a:rPr lang="en-US" i="1" dirty="0" err="1" smtClean="0">
+              <a:rPr lang="en-US" i="1" dirty="0" err="1">
                 <a:solidFill>
                   <a:srgbClr val="34A7BD"/>
                 </a:solidFill>
@@ -17944,7 +17706,7 @@
               <a:t>val</a:t>
             </a:r>
             <a:r>
-              <a:rPr lang="hu-HU" i="1" dirty="0" smtClean="0">
+              <a:rPr lang="hu-HU" i="1" dirty="0">
                 <a:solidFill>
                   <a:srgbClr val="34A7BD"/>
                 </a:solidFill>
@@ -17955,7 +17717,7 @@
               <a:t> </a:t>
             </a:r>
             <a:r>
-              <a:rPr lang="en-US" b="1" dirty="0" err="1" smtClean="0">
+              <a:rPr lang="en-US" b="1" dirty="0" err="1">
                 <a:solidFill>
                   <a:srgbClr val="0070C0"/>
                 </a:solidFill>
@@ -17966,7 +17728,7 @@
               <a:t>modelMatrixHandle</a:t>
             </a:r>
             <a:r>
-              <a:rPr lang="en-US" dirty="0" smtClean="0">
+              <a:rPr lang="en-US" dirty="0">
                 <a:solidFill>
                   <a:srgbClr val="FF0000"/>
                 </a:solidFill>
@@ -18028,7 +17790,7 @@
               </a:lnSpc>
             </a:pPr>
             <a:r>
-              <a:rPr lang="en-US" dirty="0" smtClean="0">
+              <a:rPr lang="en-US" dirty="0">
                 <a:solidFill>
                   <a:srgbClr val="000000"/>
                 </a:solidFill>
@@ -18039,7 +17801,7 @@
               <a:t>  </a:t>
             </a:r>
             <a:r>
-              <a:rPr lang="hu-HU" dirty="0" smtClean="0">
+              <a:rPr lang="hu-HU" dirty="0">
                 <a:solidFill>
                   <a:srgbClr val="000000"/>
                 </a:solidFill>
@@ -18113,7 +17875,7 @@
                 <a:ea typeface="Times New Roman" panose="02020603050405020304" pitchFamily="18" charset="0"/>
                 <a:cs typeface="Consolas" panose="020B0609020204030204" pitchFamily="49" charset="0"/>
               </a:rPr>
-              <a:t>);</a:t>
+              <a:t>)</a:t>
             </a:r>
             <a:endParaRPr lang="en-US" dirty="0">
               <a:latin typeface="Consolas" panose="020B0609020204030204" pitchFamily="49" charset="0"/>
@@ -18128,7 +17890,7 @@
               </a:lnSpc>
             </a:pPr>
             <a:r>
-              <a:rPr lang="en-US" dirty="0" smtClean="0">
+              <a:rPr lang="en-US" dirty="0">
                 <a:solidFill>
                   <a:srgbClr val="C70040"/>
                 </a:solidFill>
@@ -18139,7 +17901,7 @@
               <a:t>if</a:t>
             </a:r>
             <a:r>
-              <a:rPr lang="en-US" dirty="0" smtClean="0">
+              <a:rPr lang="en-US" dirty="0">
                 <a:solidFill>
                   <a:srgbClr val="000000"/>
                 </a:solidFill>
@@ -18150,7 +17912,7 @@
               <a:t>(</a:t>
             </a:r>
             <a:r>
-              <a:rPr lang="en-US" b="1" dirty="0" err="1" smtClean="0">
+              <a:rPr lang="en-US" b="1" dirty="0" err="1">
                 <a:solidFill>
                   <a:srgbClr val="0070C0"/>
                 </a:solidFill>
@@ -18161,7 +17923,7 @@
               <a:t>modelMatrixHandle</a:t>
             </a:r>
             <a:r>
-              <a:rPr lang="en-US" dirty="0" smtClean="0">
+              <a:rPr lang="en-US" dirty="0">
                 <a:solidFill>
                   <a:srgbClr val="000000"/>
                 </a:solidFill>
@@ -18294,7 +18056,7 @@
               <a:t>gameObject.modelMatrix</a:t>
             </a:r>
             <a:r>
-              <a:rPr lang="en-US" dirty="0" smtClean="0">
+              <a:rPr lang="en-US" dirty="0">
                 <a:solidFill>
                   <a:srgbClr val="8F8634"/>
                 </a:solidFill>
@@ -18305,7 +18067,7 @@
               <a:t>."</a:t>
             </a:r>
             <a:r>
-              <a:rPr lang="en-US" dirty="0" smtClean="0">
+              <a:rPr lang="en-US" dirty="0">
                 <a:solidFill>
                   <a:srgbClr val="000000"/>
                 </a:solidFill>
@@ -18429,7 +18191,7 @@
               <a:t>  </a:t>
             </a:r>
             <a:r>
-              <a:rPr lang="en-US" i="1" dirty="0" err="1" smtClean="0">
+              <a:rPr lang="en-US" i="1" dirty="0" err="1">
                 <a:solidFill>
                   <a:srgbClr val="34A7BD"/>
                 </a:solidFill>
@@ -18440,7 +18202,7 @@
               <a:t>val</a:t>
             </a:r>
             <a:r>
-              <a:rPr lang="en-US" dirty="0" smtClean="0">
+              <a:rPr lang="en-US" dirty="0">
                 <a:solidFill>
                   <a:srgbClr val="000000"/>
                 </a:solidFill>
@@ -18496,43 +18258,10 @@
                 <a:ea typeface="Times New Roman" panose="02020603050405020304" pitchFamily="18" charset="0"/>
                 <a:cs typeface="Consolas" panose="020B0609020204030204" pitchFamily="49" charset="0"/>
               </a:rPr>
-              <a:t> </a:t>
-            </a:r>
-            <a:r>
-              <a:rPr lang="en-US" dirty="0" smtClean="0">
-                <a:solidFill>
-                  <a:srgbClr val="000000"/>
-                </a:solidFill>
-                <a:latin typeface="Consolas" panose="020B0609020204030204" pitchFamily="49" charset="0"/>
-                <a:ea typeface="Times New Roman" panose="02020603050405020304" pitchFamily="18" charset="0"/>
-                <a:cs typeface="Consolas" panose="020B0609020204030204" pitchFamily="49" charset="0"/>
-              </a:rPr>
-              <a:t>Mat4</a:t>
-            </a:r>
-            <a:r>
-              <a:rPr lang="en-US" dirty="0">
-                <a:solidFill>
-                  <a:srgbClr val="000000"/>
-                </a:solidFill>
-                <a:latin typeface="Consolas" panose="020B0609020204030204" pitchFamily="49" charset="0"/>
-                <a:ea typeface="Times New Roman" panose="02020603050405020304" pitchFamily="18" charset="0"/>
-                <a:cs typeface="Consolas" panose="020B0609020204030204" pitchFamily="49" charset="0"/>
-              </a:rPr>
-              <a:t>().</a:t>
-            </a:r>
-            <a:r>
-              <a:rPr lang="en-US" dirty="0" smtClean="0">
-                <a:solidFill>
-                  <a:srgbClr val="000000"/>
-                </a:solidFill>
-                <a:latin typeface="Consolas" panose="020B0609020204030204" pitchFamily="49" charset="0"/>
-                <a:ea typeface="Times New Roman" panose="02020603050405020304" pitchFamily="18" charset="0"/>
-                <a:cs typeface="Consolas" panose="020B0609020204030204" pitchFamily="49" charset="0"/>
-              </a:rPr>
-              <a:t>translate(</a:t>
-            </a:r>
-            <a:r>
-              <a:rPr lang="en-US" dirty="0" err="1" smtClean="0">
+              <a:t> Mat4().translate(</a:t>
+            </a:r>
+            <a:r>
+              <a:rPr lang="en-US" dirty="0" err="1">
                 <a:solidFill>
                   <a:srgbClr val="000000"/>
                 </a:solidFill>
@@ -18543,7 +18272,7 @@
               <a:t>avatarPosition</a:t>
             </a:r>
             <a:r>
-              <a:rPr lang="en-US" dirty="0" smtClean="0">
+              <a:rPr lang="en-US" dirty="0">
                 <a:solidFill>
                   <a:srgbClr val="000000"/>
                 </a:solidFill>
@@ -18553,14 +18282,6 @@
               </a:rPr>
               <a:t>)</a:t>
             </a:r>
-            <a:endParaRPr lang="en-US" dirty="0">
-              <a:solidFill>
-                <a:srgbClr val="000000"/>
-              </a:solidFill>
-              <a:latin typeface="Consolas" panose="020B0609020204030204" pitchFamily="49" charset="0"/>
-              <a:ea typeface="Times New Roman" panose="02020603050405020304" pitchFamily="18" charset="0"/>
-              <a:cs typeface="Consolas" panose="020B0609020204030204" pitchFamily="49" charset="0"/>
-            </a:endParaRPr>
           </a:p>
           <a:p>
             <a:pPr>
@@ -18635,7 +18356,7 @@
               <a:t>, </a:t>
             </a:r>
             <a:r>
-              <a:rPr lang="en-US" b="1" dirty="0" err="1" smtClean="0">
+              <a:rPr lang="en-US" b="1" dirty="0" err="1">
                 <a:solidFill>
                   <a:srgbClr val="0070C0"/>
                 </a:solidFill>
@@ -18646,7 +18367,7 @@
               <a:t>modelMatrixHandle</a:t>
             </a:r>
             <a:r>
-              <a:rPr lang="en-US" dirty="0" smtClean="0">
+              <a:rPr lang="en-US" dirty="0">
                 <a:solidFill>
                   <a:srgbClr val="000000"/>
                 </a:solidFill>
@@ -19001,18 +18722,10 @@
                   <a:srgbClr val="FFFF00"/>
                 </a:solidFill>
               </a:rPr>
-              <a:t>Tip: get rid of code you may have </a:t>
-            </a:r>
-            <a:r>
-              <a:rPr lang="en-US" dirty="0" smtClean="0">
-                <a:solidFill>
-                  <a:srgbClr val="FFFF00"/>
-                </a:solidFill>
-              </a:rPr>
-              <a:t>for setting uniforms </a:t>
-            </a:r>
-            <a:r>
-              <a:rPr lang="en-US" dirty="0" err="1" smtClean="0">
+              <a:t>Tip: get rid of code you may have for setting uniforms </a:t>
+            </a:r>
+            <a:r>
+              <a:rPr lang="en-US" dirty="0" err="1">
                 <a:solidFill>
                   <a:srgbClr val="FFFF00"/>
                 </a:solidFill>
@@ -19030,7 +18743,7 @@
               <a:t>, </a:t>
             </a:r>
             <a:r>
-              <a:rPr lang="en-US" dirty="0" err="1" smtClean="0">
+              <a:rPr lang="en-US" dirty="0" err="1">
                 <a:solidFill>
                   <a:srgbClr val="FFFF00"/>
                 </a:solidFill>
@@ -19040,20 +18753,12 @@
               <a:t>avatarScale</a:t>
             </a:r>
             <a:r>
-              <a:rPr lang="en-US" dirty="0" smtClean="0">
+              <a:rPr lang="en-US" dirty="0">
                 <a:solidFill>
                   <a:srgbClr val="FFFF00"/>
                 </a:solidFill>
               </a:rPr>
-              <a:t>, </a:t>
-            </a:r>
-            <a:r>
-              <a:rPr lang="en-US" dirty="0">
-                <a:solidFill>
-                  <a:srgbClr val="FFFF00"/>
-                </a:solidFill>
-              </a:rPr>
-              <a:t>to avoid clutter. Now we have this more generic method to do any transformation, including scaling and even rotation.</a:t>
+              <a:t>, to avoid clutter. Now we have this more generic method to do any transformation, including scaling and even rotation.</a:t>
             </a:r>
           </a:p>
         </p:txBody>
@@ -19081,7 +18786,7 @@
           <a:lstStyle/>
           <a:p>
             <a:r>
-              <a:rPr lang="en-US" sz="20000" dirty="0" smtClean="0">
+              <a:rPr lang="en-US" sz="20000" dirty="0">
                 <a:solidFill>
                   <a:srgbClr val="00B050"/>
                 </a:solidFill>
@@ -19089,12 +18794,6 @@
               </a:rPr>
               <a:t>!</a:t>
             </a:r>
-            <a:endParaRPr lang="en-US" sz="20000" dirty="0">
-              <a:solidFill>
-                <a:srgbClr val="00B050"/>
-              </a:solidFill>
-              <a:latin typeface="Whipsmart" panose="020B0502030203050204" pitchFamily="34" charset="0"/>
-            </a:endParaRPr>
           </a:p>
         </p:txBody>
       </p:sp>
@@ -19144,10 +18843,9 @@
           <a:lstStyle/>
           <a:p>
             <a:r>
-              <a:rPr lang="en-US" dirty="0" smtClean="0"/>
+              <a:rPr lang="en-US" dirty="0"/>
               <a:t>Transformation exercise</a:t>
             </a:r>
-            <a:endParaRPr lang="en-US" dirty="0"/>
           </a:p>
         </p:txBody>
       </p:sp>
@@ -19169,21 +18867,21 @@
           <a:lstStyle/>
           <a:p>
             <a:r>
-              <a:rPr lang="en-US" dirty="0" smtClean="0"/>
+              <a:rPr lang="en-US" dirty="0"/>
               <a:t>Use a scaling in the model matrix to make avatar smaller </a:t>
             </a:r>
           </a:p>
           <a:p>
             <a:pPr lvl="1"/>
             <a:r>
-              <a:rPr lang="en-US" dirty="0" smtClean="0">
+              <a:rPr lang="en-US" dirty="0">
                 <a:latin typeface="Consolas" panose="020B0609020204030204" pitchFamily="49" charset="0"/>
                 <a:cs typeface="Consolas" panose="020B0609020204030204" pitchFamily="49" charset="0"/>
               </a:rPr>
               <a:t>Mat4</a:t>
             </a:r>
             <a:r>
-              <a:rPr lang="en-US" dirty="0" smtClean="0"/>
+              <a:rPr lang="en-US" dirty="0"/>
               <a:t> has method </a:t>
             </a:r>
             <a:r>
@@ -19201,59 +18899,59 @@
           <a:p>
             <a:pPr lvl="2"/>
             <a:r>
-              <a:rPr lang="hu-HU" dirty="0" err="1" smtClean="0"/>
+              <a:rPr lang="hu-HU" dirty="0" err="1"/>
               <a:t>multiplies</a:t>
             </a:r>
             <a:r>
-              <a:rPr lang="hu-HU" dirty="0" smtClean="0"/>
+              <a:rPr lang="hu-HU" dirty="0"/>
               <a:t>, </a:t>
             </a:r>
             <a:r>
-              <a:rPr lang="hu-HU" dirty="0" err="1" smtClean="0"/>
+              <a:rPr lang="hu-HU" dirty="0" err="1"/>
               <a:t>from</a:t>
             </a:r>
             <a:r>
-              <a:rPr lang="hu-HU" dirty="0" smtClean="0"/>
+              <a:rPr lang="hu-HU" dirty="0"/>
               <a:t> </a:t>
             </a:r>
             <a:r>
-              <a:rPr lang="hu-HU" dirty="0" err="1" smtClean="0"/>
+              <a:rPr lang="hu-HU" dirty="0" err="1"/>
               <a:t>the</a:t>
             </a:r>
             <a:r>
-              <a:rPr lang="hu-HU" dirty="0" smtClean="0"/>
+              <a:rPr lang="hu-HU" dirty="0"/>
               <a:t> right, a </a:t>
             </a:r>
             <a:r>
-              <a:rPr lang="hu-HU" dirty="0" err="1" smtClean="0"/>
+              <a:rPr lang="hu-HU" dirty="0" err="1"/>
               <a:t>scaling</a:t>
             </a:r>
             <a:r>
-              <a:rPr lang="hu-HU" dirty="0" smtClean="0"/>
+              <a:rPr lang="hu-HU" dirty="0"/>
               <a:t> </a:t>
             </a:r>
             <a:r>
-              <a:rPr lang="hu-HU" dirty="0" err="1" smtClean="0"/>
+              <a:rPr lang="hu-HU" dirty="0" err="1"/>
               <a:t>matrix</a:t>
             </a:r>
             <a:r>
-              <a:rPr lang="hu-HU" dirty="0" smtClean="0"/>
+              <a:rPr lang="hu-HU" dirty="0"/>
               <a:t> </a:t>
             </a:r>
             <a:r>
-              <a:rPr lang="hu-HU" dirty="0" err="1" smtClean="0"/>
+              <a:rPr lang="hu-HU" dirty="0" err="1"/>
               <a:t>to</a:t>
             </a:r>
             <a:r>
-              <a:rPr lang="hu-HU" dirty="0" smtClean="0"/>
+              <a:rPr lang="hu-HU" dirty="0"/>
               <a:t> </a:t>
             </a:r>
             <a:r>
-              <a:rPr lang="hu-HU" dirty="0" err="1" smtClean="0"/>
+              <a:rPr lang="hu-HU" dirty="0" err="1"/>
               <a:t>the</a:t>
             </a:r>
             <a:r>
-              <a:rPr lang="hu-HU" dirty="0" smtClean="0"/>
+              <a:rPr lang="hu-HU" dirty="0"/>
               <a:t> </a:t>
             </a:r>
             <a:r>
@@ -19268,140 +18966,140 @@
               <a:t> </a:t>
             </a:r>
             <a:r>
-              <a:rPr lang="hu-HU" dirty="0" err="1" smtClean="0"/>
+              <a:rPr lang="hu-HU" dirty="0" err="1"/>
               <a:t>object</a:t>
             </a:r>
             <a:r>
-              <a:rPr lang="hu-HU" dirty="0" smtClean="0"/>
+              <a:rPr lang="hu-HU" dirty="0"/>
               <a:t>, </a:t>
             </a:r>
             <a:r>
-              <a:rPr lang="hu-HU" dirty="0" err="1" smtClean="0"/>
+              <a:rPr lang="hu-HU" dirty="0" err="1"/>
               <a:t>changing</a:t>
             </a:r>
             <a:r>
-              <a:rPr lang="hu-HU" dirty="0" smtClean="0"/>
+              <a:rPr lang="hu-HU" dirty="0"/>
               <a:t> </a:t>
             </a:r>
             <a:r>
-              <a:rPr lang="hu-HU" dirty="0" err="1" smtClean="0"/>
+              <a:rPr lang="hu-HU" dirty="0" err="1"/>
               <a:t>its</a:t>
             </a:r>
             <a:r>
-              <a:rPr lang="hu-HU" dirty="0" smtClean="0"/>
+              <a:rPr lang="hu-HU" dirty="0"/>
               <a:t> </a:t>
             </a:r>
             <a:r>
-              <a:rPr lang="hu-HU" dirty="0" err="1" smtClean="0"/>
+              <a:rPr lang="hu-HU" dirty="0" err="1"/>
               <a:t>value</a:t>
             </a:r>
-            <a:endParaRPr lang="en-US" dirty="0" smtClean="0"/>
+            <a:endParaRPr lang="en-US" dirty="0"/>
           </a:p>
           <a:p>
             <a:pPr lvl="1"/>
             <a:r>
-              <a:rPr lang="en-US" dirty="0" smtClean="0"/>
+              <a:rPr lang="en-US" dirty="0"/>
               <a:t>it takes 3 numbers</a:t>
             </a:r>
             <a:r>
-              <a:rPr lang="hu-HU" dirty="0" smtClean="0"/>
+              <a:rPr lang="hu-HU" dirty="0"/>
               <a:t>,</a:t>
             </a:r>
             <a:r>
-              <a:rPr lang="en-US" dirty="0" smtClean="0"/>
+              <a:rPr lang="en-US" dirty="0"/>
               <a:t> or a </a:t>
             </a:r>
             <a:r>
-              <a:rPr lang="en-US" dirty="0" smtClean="0">
+              <a:rPr lang="en-US" dirty="0">
                 <a:latin typeface="Consolas" panose="020B0609020204030204" pitchFamily="49" charset="0"/>
                 <a:cs typeface="Consolas" panose="020B0609020204030204" pitchFamily="49" charset="0"/>
               </a:rPr>
               <a:t>Vec3</a:t>
             </a:r>
             <a:r>
-              <a:rPr lang="hu-HU" dirty="0" smtClean="0">
+              <a:rPr lang="hu-HU" dirty="0">
                 <a:latin typeface="Consolas" panose="020B0609020204030204" pitchFamily="49" charset="0"/>
                 <a:cs typeface="Consolas" panose="020B0609020204030204" pitchFamily="49" charset="0"/>
               </a:rPr>
               <a:t>,</a:t>
             </a:r>
             <a:r>
-              <a:rPr lang="en-US" dirty="0" smtClean="0"/>
+              <a:rPr lang="en-US" dirty="0"/>
               <a:t> </a:t>
             </a:r>
             <a:r>
-              <a:rPr lang="hu-HU" dirty="0" err="1" smtClean="0"/>
+              <a:rPr lang="hu-HU" dirty="0" err="1"/>
               <a:t>or</a:t>
             </a:r>
             <a:r>
-              <a:rPr lang="hu-HU" dirty="0" smtClean="0"/>
+              <a:rPr lang="hu-HU" dirty="0"/>
               <a:t> a </a:t>
             </a:r>
             <a:r>
-              <a:rPr lang="hu-HU" dirty="0" smtClean="0">
+              <a:rPr lang="hu-HU" dirty="0">
                 <a:latin typeface="Consolas" panose="020B0609020204030204" pitchFamily="49" charset="0"/>
                 <a:cs typeface="Consolas" panose="020B0609020204030204" pitchFamily="49" charset="0"/>
               </a:rPr>
               <a:t>Vec2,</a:t>
             </a:r>
             <a:r>
-              <a:rPr lang="hu-HU" dirty="0" smtClean="0"/>
+              <a:rPr lang="hu-HU" dirty="0"/>
               <a:t> </a:t>
             </a:r>
             <a:r>
-              <a:rPr lang="en-US" dirty="0" smtClean="0"/>
+              <a:rPr lang="en-US" dirty="0"/>
               <a:t>as parameter</a:t>
             </a:r>
           </a:p>
           <a:p>
             <a:r>
-              <a:rPr lang="en-US" dirty="0" smtClean="0"/>
+              <a:rPr lang="en-US" dirty="0"/>
               <a:t>insert a rotation into the model matrix</a:t>
             </a:r>
           </a:p>
           <a:p>
             <a:pPr lvl="1"/>
             <a:r>
-              <a:rPr lang="en-US" dirty="0" smtClean="0"/>
+              <a:rPr lang="en-US" dirty="0"/>
               <a:t>method </a:t>
             </a:r>
             <a:r>
-              <a:rPr lang="en-US" dirty="0" smtClean="0">
+              <a:rPr lang="en-US" dirty="0">
                 <a:latin typeface="Consolas" panose="020B0609020204030204" pitchFamily="49" charset="0"/>
                 <a:cs typeface="Consolas" panose="020B0609020204030204" pitchFamily="49" charset="0"/>
               </a:rPr>
               <a:t>rotate</a:t>
             </a:r>
             <a:r>
-              <a:rPr lang="en-US" dirty="0" smtClean="0"/>
+              <a:rPr lang="en-US" dirty="0"/>
               <a:t> </a:t>
             </a:r>
             <a:r>
-              <a:rPr lang="hu-HU" dirty="0" err="1" smtClean="0"/>
+              <a:rPr lang="hu-HU" dirty="0" err="1"/>
               <a:t>rotates</a:t>
             </a:r>
             <a:r>
-              <a:rPr lang="hu-HU" dirty="0" smtClean="0"/>
+              <a:rPr lang="hu-HU" dirty="0"/>
               <a:t> </a:t>
             </a:r>
             <a:r>
-              <a:rPr lang="hu-HU" dirty="0" err="1" smtClean="0"/>
+              <a:rPr lang="hu-HU" dirty="0" err="1"/>
               <a:t>around</a:t>
             </a:r>
             <a:r>
-              <a:rPr lang="hu-HU" dirty="0" smtClean="0"/>
+              <a:rPr lang="hu-HU" dirty="0"/>
               <a:t> z</a:t>
             </a:r>
             <a:r>
-              <a:rPr lang="en-US" dirty="0" smtClean="0"/>
+              <a:rPr lang="en-US" dirty="0"/>
               <a:t> (takes radians)</a:t>
             </a:r>
-            <a:endParaRPr lang="hu-HU" dirty="0" smtClean="0"/>
+            <a:endParaRPr lang="hu-HU" dirty="0"/>
           </a:p>
           <a:p>
             <a:pPr lvl="2"/>
             <a:r>
-              <a:rPr lang="hu-HU" dirty="0" smtClean="0"/>
+              <a:rPr lang="hu-HU" dirty="0"/>
               <a:t>works like </a:t>
             </a:r>
             <a:r>
@@ -19413,11 +19111,7 @@
             </a:r>
             <a:r>
               <a:rPr lang="hu-HU" dirty="0"/>
-              <a:t> </a:t>
-            </a:r>
-            <a:r>
-              <a:rPr lang="hu-HU" dirty="0" smtClean="0"/>
-              <a:t>or </a:t>
+              <a:t> or </a:t>
             </a:r>
             <a:r>
               <a:rPr lang="hu-HU" dirty="0">
@@ -19427,10 +19121,10 @@
               <a:t>scale</a:t>
             </a:r>
             <a:r>
-              <a:rPr lang="hu-HU" dirty="0" smtClean="0"/>
+              <a:rPr lang="hu-HU" dirty="0"/>
               <a:t>, appending to existing transformation</a:t>
             </a:r>
-            <a:endParaRPr lang="en-US" dirty="0" smtClean="0"/>
+            <a:endParaRPr lang="en-US" dirty="0"/>
           </a:p>
         </p:txBody>
       </p:sp>
@@ -19457,7 +19151,7 @@
           <a:lstStyle/>
           <a:p>
             <a:r>
-              <a:rPr lang="en-US" sz="20000" dirty="0" smtClean="0">
+              <a:rPr lang="en-US" sz="20000" dirty="0">
                 <a:solidFill>
                   <a:srgbClr val="00B050"/>
                 </a:solidFill>
@@ -19465,12 +19159,6 @@
               </a:rPr>
               <a:t>!</a:t>
             </a:r>
-            <a:endParaRPr lang="en-US" sz="20000" dirty="0">
-              <a:solidFill>
-                <a:srgbClr val="00B050"/>
-              </a:solidFill>
-              <a:latin typeface="Whipsmart" panose="020B0502030203050204" pitchFamily="34" charset="0"/>
-            </a:endParaRPr>
           </a:p>
         </p:txBody>
       </p:sp>
@@ -19520,10 +19208,9 @@
           <a:lstStyle/>
           <a:p>
             <a:r>
-              <a:rPr lang="en-US" dirty="0" smtClean="0"/>
+              <a:rPr lang="en-US" dirty="0"/>
               <a:t>Animation with transformations</a:t>
             </a:r>
-            <a:endParaRPr lang="en-US" dirty="0"/>
           </a:p>
         </p:txBody>
       </p:sp>
@@ -19543,21 +19230,21 @@
           <a:lstStyle/>
           <a:p>
             <a:r>
-              <a:rPr lang="en-US" dirty="0" smtClean="0"/>
+              <a:rPr lang="en-US" dirty="0"/>
               <a:t>make the avatar rotate continuously</a:t>
             </a:r>
           </a:p>
           <a:p>
             <a:r>
-              <a:rPr lang="en-US" dirty="0" smtClean="0"/>
+              <a:rPr lang="en-US" dirty="0"/>
               <a:t>let the user rotate the </a:t>
             </a:r>
             <a:r>
-              <a:rPr lang="hu-HU" dirty="0" smtClean="0"/>
+              <a:rPr lang="hu-HU" dirty="0"/>
               <a:t>triangle</a:t>
             </a:r>
             <a:r>
-              <a:rPr lang="en-US" dirty="0" smtClean="0"/>
+              <a:rPr lang="en-US" dirty="0"/>
               <a:t> by holding down some keys</a:t>
             </a:r>
           </a:p>
@@ -19592,7 +19279,7 @@
           <a:lstStyle/>
           <a:p>
             <a:r>
-              <a:rPr lang="en-US" sz="20000" dirty="0" smtClean="0">
+              <a:rPr lang="en-US" sz="20000" dirty="0">
                 <a:solidFill>
                   <a:srgbClr val="00B050"/>
                 </a:solidFill>
@@ -19600,12 +19287,6 @@
               </a:rPr>
               <a:t>!</a:t>
             </a:r>
-            <a:endParaRPr lang="en-US" sz="20000" dirty="0">
-              <a:solidFill>
-                <a:srgbClr val="00B050"/>
-              </a:solidFill>
-              <a:latin typeface="Whipsmart" panose="020B0502030203050204" pitchFamily="34" charset="0"/>
-            </a:endParaRPr>
           </a:p>
         </p:txBody>
       </p:sp>
@@ -19655,10 +19336,9 @@
           <a:lstStyle/>
           <a:p>
             <a:r>
-              <a:rPr lang="en-US" dirty="0" smtClean="0"/>
+              <a:rPr lang="en-US" dirty="0"/>
               <a:t>Transformation hierarchies</a:t>
             </a:r>
-            <a:endParaRPr lang="en-US" dirty="0"/>
           </a:p>
         </p:txBody>
       </p:sp>
@@ -19678,154 +19358,154 @@
           <a:lstStyle/>
           <a:p>
             <a:r>
-              <a:rPr lang="en-US" dirty="0" smtClean="0"/>
+              <a:rPr lang="en-US" dirty="0"/>
               <a:t>let the avatar be</a:t>
             </a:r>
             <a:r>
-              <a:rPr lang="hu-HU" dirty="0" smtClean="0"/>
+              <a:rPr lang="hu-HU" dirty="0"/>
               <a:t> </a:t>
             </a:r>
             <a:r>
-              <a:rPr lang="en-US" dirty="0" smtClean="0"/>
+              <a:rPr lang="en-US" dirty="0"/>
               <a:t>controlled by the user</a:t>
             </a:r>
           </a:p>
           <a:p>
             <a:pPr lvl="1"/>
             <a:r>
-              <a:rPr lang="en-US" dirty="0" smtClean="0"/>
+              <a:rPr lang="en-US" dirty="0"/>
               <a:t>change translation, rotation with keys</a:t>
             </a:r>
           </a:p>
           <a:p>
             <a:pPr lvl="1"/>
             <a:r>
-              <a:rPr lang="en-US" dirty="0" smtClean="0"/>
+              <a:rPr lang="en-US" dirty="0"/>
               <a:t>(proper game physics will come </a:t>
             </a:r>
             <a:r>
-              <a:rPr lang="hu-HU" dirty="0" err="1" smtClean="0"/>
+              <a:rPr lang="hu-HU" dirty="0" err="1"/>
               <a:t>before</a:t>
             </a:r>
             <a:r>
-              <a:rPr lang="hu-HU" dirty="0" smtClean="0"/>
+              <a:rPr lang="hu-HU" dirty="0"/>
               <a:t> </a:t>
             </a:r>
             <a:r>
-              <a:rPr lang="hu-HU" dirty="0" err="1" smtClean="0"/>
+              <a:rPr lang="hu-HU" dirty="0" err="1"/>
               <a:t>the</a:t>
             </a:r>
             <a:r>
-              <a:rPr lang="hu-HU" dirty="0" smtClean="0"/>
+              <a:rPr lang="hu-HU" dirty="0"/>
               <a:t> </a:t>
             </a:r>
             <a:r>
-              <a:rPr lang="hu-HU" dirty="0" err="1" smtClean="0"/>
+              <a:rPr lang="hu-HU" dirty="0" err="1"/>
               <a:t>spring</a:t>
             </a:r>
             <a:r>
-              <a:rPr lang="hu-HU" dirty="0" smtClean="0"/>
+              <a:rPr lang="hu-HU" dirty="0"/>
               <a:t> </a:t>
             </a:r>
             <a:r>
-              <a:rPr lang="hu-HU" dirty="0" err="1" smtClean="0"/>
+              <a:rPr lang="hu-HU" dirty="0" err="1"/>
               <a:t>break</a:t>
             </a:r>
             <a:r>
-              <a:rPr lang="en-US" dirty="0" smtClean="0"/>
+              <a:rPr lang="en-US" dirty="0"/>
               <a:t>)</a:t>
             </a:r>
           </a:p>
           <a:p>
             <a:r>
-              <a:rPr lang="en-US" dirty="0" smtClean="0"/>
+              <a:rPr lang="en-US" dirty="0"/>
               <a:t>a number of other objects</a:t>
             </a:r>
             <a:r>
-              <a:rPr lang="hu-HU" dirty="0" smtClean="0"/>
+              <a:rPr lang="hu-HU" dirty="0"/>
               <a:t> </a:t>
             </a:r>
             <a:r>
-              <a:rPr lang="en-US" dirty="0" smtClean="0"/>
+              <a:rPr lang="en-US" dirty="0"/>
               <a:t>orbit the one controlled by the user</a:t>
             </a:r>
-            <a:endParaRPr lang="hu-HU" dirty="0" smtClean="0"/>
+            <a:endParaRPr lang="hu-HU" dirty="0"/>
           </a:p>
           <a:p>
             <a:pPr lvl="1"/>
             <a:r>
-              <a:rPr lang="hu-HU" dirty="0" smtClean="0"/>
+              <a:rPr lang="hu-HU" dirty="0"/>
               <a:t>chain up: </a:t>
             </a:r>
             <a:r>
-              <a:rPr lang="en-US" dirty="0" err="1" smtClean="0"/>
+              <a:rPr lang="en-US" dirty="0" err="1"/>
               <a:t>rotate&amp;translate</a:t>
             </a:r>
             <a:r>
-              <a:rPr lang="hu-HU" dirty="0" smtClean="0"/>
+              <a:rPr lang="hu-HU" dirty="0"/>
               <a:t> to </a:t>
             </a:r>
             <a:r>
-              <a:rPr lang="en-US" dirty="0" err="1" smtClean="0"/>
+              <a:rPr lang="en-US" dirty="0" err="1"/>
               <a:t>orientation&amp;position</a:t>
             </a:r>
             <a:r>
-              <a:rPr lang="hu-HU" dirty="0" smtClean="0"/>
+              <a:rPr lang="hu-HU" dirty="0"/>
               <a:t> relative to avatar, </a:t>
             </a:r>
             <a:r>
-              <a:rPr lang="hu-HU" dirty="0" err="1" smtClean="0"/>
+              <a:rPr lang="hu-HU" dirty="0" err="1"/>
               <a:t>then</a:t>
             </a:r>
             <a:r>
-              <a:rPr lang="hu-HU" dirty="0" smtClean="0"/>
+              <a:rPr lang="hu-HU" dirty="0"/>
               <a:t> </a:t>
             </a:r>
             <a:r>
-              <a:rPr lang="hu-HU" dirty="0" err="1" smtClean="0"/>
+              <a:rPr lang="hu-HU" dirty="0" err="1"/>
               <a:t>rota</a:t>
             </a:r>
             <a:r>
-              <a:rPr lang="en-US" dirty="0" err="1" smtClean="0"/>
+              <a:rPr lang="en-US" dirty="0" err="1"/>
               <a:t>te</a:t>
             </a:r>
             <a:r>
-              <a:rPr lang="hu-HU" dirty="0" smtClean="0"/>
+              <a:rPr lang="hu-HU" dirty="0"/>
               <a:t> around origin, </a:t>
             </a:r>
             <a:r>
-              <a:rPr lang="hu-HU" dirty="0" err="1" smtClean="0"/>
+              <a:rPr lang="hu-HU" dirty="0" err="1"/>
               <a:t>then</a:t>
             </a:r>
             <a:r>
-              <a:rPr lang="hu-HU" dirty="0" smtClean="0"/>
+              <a:rPr lang="hu-HU" dirty="0"/>
               <a:t> </a:t>
             </a:r>
             <a:r>
-              <a:rPr lang="en-US" dirty="0" smtClean="0"/>
+              <a:rPr lang="en-US" dirty="0"/>
               <a:t>rotate&amp;</a:t>
             </a:r>
             <a:r>
-              <a:rPr lang="hu-HU" dirty="0" smtClean="0"/>
+              <a:rPr lang="hu-HU" dirty="0"/>
               <a:t>translat</a:t>
             </a:r>
             <a:r>
-              <a:rPr lang="en-US" dirty="0" smtClean="0"/>
+              <a:rPr lang="en-US" dirty="0"/>
               <a:t>e</a:t>
             </a:r>
             <a:r>
-              <a:rPr lang="hu-HU" dirty="0" smtClean="0"/>
+              <a:rPr lang="hu-HU" dirty="0"/>
               <a:t> by avatar</a:t>
             </a:r>
             <a:r>
-              <a:rPr lang="en-US" dirty="0" smtClean="0"/>
+              <a:rPr lang="en-US" dirty="0"/>
               <a:t>’s orient/</a:t>
             </a:r>
             <a:r>
-              <a:rPr lang="en-US" dirty="0" err="1" smtClean="0"/>
+              <a:rPr lang="en-US" dirty="0" err="1"/>
               <a:t>pos</a:t>
             </a:r>
-            <a:endParaRPr lang="en-US" dirty="0" smtClean="0"/>
+            <a:endParaRPr lang="en-US" dirty="0"/>
           </a:p>
         </p:txBody>
       </p:sp>
@@ -19852,7 +19532,7 @@
           <a:lstStyle/>
           <a:p>
             <a:r>
-              <a:rPr lang="en-US" sz="20000" dirty="0" smtClean="0">
+              <a:rPr lang="en-US" sz="20000" dirty="0">
                 <a:solidFill>
                   <a:srgbClr val="FFC000"/>
                 </a:solidFill>
@@ -19860,12 +19540,6 @@
               </a:rPr>
               <a:t>!</a:t>
             </a:r>
-            <a:endParaRPr lang="en-US" sz="20000" dirty="0">
-              <a:solidFill>
-                <a:srgbClr val="FFC000"/>
-              </a:solidFill>
-              <a:latin typeface="Whipsmart" panose="020B0502030203050204" pitchFamily="34" charset="0"/>
-            </a:endParaRPr>
           </a:p>
         </p:txBody>
       </p:sp>
@@ -21022,10 +20696,9 @@
           <a:lstStyle/>
           <a:p>
             <a:r>
-              <a:rPr lang="en-US" dirty="0" smtClean="0"/>
+              <a:rPr lang="en-US" dirty="0"/>
               <a:t>Tom's coordinate system</a:t>
             </a:r>
-            <a:endParaRPr lang="en-US" dirty="0"/>
           </a:p>
         </p:txBody>
       </p:sp>
@@ -21075,18 +20748,7 @@
                 <a:ea typeface="+mj-ea"/>
                 <a:cs typeface="+mj-cs"/>
               </a:rPr>
-              <a:t>Tom </a:t>
-            </a:r>
-            <a:r>
-              <a:rPr lang="en-US" sz="3600" dirty="0" smtClean="0">
-                <a:solidFill>
-                  <a:srgbClr val="FF0000"/>
-                </a:solidFill>
-                <a:latin typeface="Whipsmart" panose="020B0502030203050204" pitchFamily="34" charset="0"/>
-                <a:ea typeface="+mj-ea"/>
-                <a:cs typeface="+mj-cs"/>
-              </a:rPr>
-              <a:t>says</a:t>
+              <a:t>Tom says</a:t>
             </a:r>
           </a:p>
           <a:p>
@@ -21099,7 +20761,7 @@
               </a:spcBef>
             </a:pPr>
             <a:r>
-              <a:rPr lang="en-US" sz="3600" dirty="0" smtClean="0">
+              <a:rPr lang="en-US" sz="3600" dirty="0">
                 <a:solidFill>
                   <a:srgbClr val="FF8500"/>
                 </a:solidFill>
@@ -21138,7 +20800,7 @@
               </a:spcBef>
             </a:pPr>
             <a:r>
-              <a:rPr lang="en-US" sz="3600" dirty="0" smtClean="0">
+              <a:rPr lang="en-US" sz="3600" dirty="0">
                 <a:solidFill>
                   <a:srgbClr val="FF00FF"/>
                 </a:solidFill>
@@ -21148,14 +20810,6 @@
               </a:rPr>
               <a:t>purple is   </a:t>
             </a:r>
-            <a:endParaRPr lang="en-US" sz="3600" dirty="0">
-              <a:solidFill>
-                <a:srgbClr val="FF00FF"/>
-              </a:solidFill>
-              <a:latin typeface="Whipsmart" panose="020B0502030203050204" pitchFamily="34" charset="0"/>
-              <a:ea typeface="+mj-ea"/>
-              <a:cs typeface="+mj-cs"/>
-            </a:endParaRPr>
           </a:p>
         </p:txBody>
       </p:sp>
@@ -22285,13 +21939,6 @@
   <p:clrMapOvr>
     <a:masterClrMapping/>
   </p:clrMapOvr>
-  <p:timing>
-    <p:tnLst>
-      <p:par>
-        <p:cTn id="1" dur="indefinite" restart="never" nodeType="tmRoot"/>
-      </p:par>
-    </p:tnLst>
-  </p:timing>
 </p:sld>
 </file>
 
@@ -22328,15 +21975,15 @@
           <a:lstStyle/>
           <a:p>
             <a:r>
-              <a:rPr lang="hu-HU" dirty="0" err="1" smtClean="0"/>
+              <a:rPr lang="hu-HU" dirty="0" err="1"/>
               <a:t>Vector-matrix</a:t>
             </a:r>
             <a:r>
-              <a:rPr lang="hu-HU" dirty="0" smtClean="0"/>
+              <a:rPr lang="hu-HU" dirty="0"/>
               <a:t> </a:t>
             </a:r>
             <a:r>
-              <a:rPr lang="hu-HU" dirty="0" err="1" smtClean="0"/>
+              <a:rPr lang="hu-HU" dirty="0" err="1"/>
               <a:t>multiplication</a:t>
             </a:r>
             <a:endParaRPr lang="en-US" dirty="0"/>
@@ -24465,10 +24112,9 @@
           <a:lstStyle/>
           <a:p>
             <a:r>
-              <a:rPr lang="en-US" dirty="0" smtClean="0"/>
+              <a:rPr lang="en-US" dirty="0"/>
               <a:t>What if we use Tom's coordinates and our coordinates in the same system?</a:t>
             </a:r>
-            <a:endParaRPr lang="en-US" dirty="0"/>
           </a:p>
         </p:txBody>
       </p:sp>
@@ -27454,20 +27100,14 @@
           <a:lstStyle/>
           <a:p>
             <a:r>
-              <a:rPr lang="en-US" dirty="0" smtClean="0"/>
+              <a:rPr lang="en-US" dirty="0"/>
               <a:t>How do we rotate by </a:t>
-            </a:r>
-            <a:r>
-              <a:rPr lang="en-US" dirty="0" smtClean="0">
-                <a:sym typeface="Symbol" panose="05050102010706020507" pitchFamily="18" charset="2"/>
-              </a:rPr>
-              <a:t>/6 instead</a:t>
             </a:r>
             <a:r>
               <a:rPr lang="en-US" dirty="0">
                 <a:sym typeface="Symbol" panose="05050102010706020507" pitchFamily="18" charset="2"/>
               </a:rPr>
-              <a:t>?</a:t>
+              <a:t>/6 instead?</a:t>
             </a:r>
             <a:endParaRPr lang="en-US" dirty="0"/>
           </a:p>
@@ -27600,7 +27240,7 @@
           <a:lstStyle/>
           <a:p>
             <a:r>
-              <a:rPr lang="en-US" sz="2400" dirty="0" smtClean="0">
+              <a:rPr lang="en-US" sz="2400" dirty="0">
                 <a:solidFill>
                   <a:srgbClr val="FF0000"/>
                 </a:solidFill>
@@ -27610,14 +27250,6 @@
               </a:rPr>
               <a:t>our rotated version</a:t>
             </a:r>
-            <a:endParaRPr lang="en-US" sz="2400" dirty="0">
-              <a:solidFill>
-                <a:srgbClr val="FF0000"/>
-              </a:solidFill>
-              <a:latin typeface="Whipsmart" panose="020B0502030203050204" pitchFamily="34" charset="0"/>
-              <a:ea typeface="+mj-ea"/>
-              <a:cs typeface="+mj-cs"/>
-            </a:endParaRPr>
           </a:p>
         </p:txBody>
       </p:sp>
@@ -27644,7 +27276,7 @@
           <a:lstStyle/>
           <a:p>
             <a:r>
-              <a:rPr lang="en-US" sz="2400" dirty="0" smtClean="0">
+              <a:rPr lang="en-US" sz="2400" dirty="0">
                 <a:solidFill>
                   <a:srgbClr val="FF0000"/>
                 </a:solidFill>
@@ -27654,14 +27286,6 @@
               </a:rPr>
               <a:t>what to write here?</a:t>
             </a:r>
-            <a:endParaRPr lang="en-US" sz="2400" dirty="0">
-              <a:solidFill>
-                <a:srgbClr val="FF0000"/>
-              </a:solidFill>
-              <a:latin typeface="Whipsmart" panose="020B0502030203050204" pitchFamily="34" charset="0"/>
-              <a:ea typeface="+mj-ea"/>
-              <a:cs typeface="+mj-cs"/>
-            </a:endParaRPr>
           </a:p>
         </p:txBody>
       </p:sp>
@@ -28002,20 +27626,14 @@
           <a:lstStyle/>
           <a:p>
             <a:r>
-              <a:rPr lang="en-US" dirty="0" smtClean="0"/>
+              <a:rPr lang="en-US" dirty="0"/>
               <a:t>How do we rotate by </a:t>
-            </a:r>
-            <a:r>
-              <a:rPr lang="en-US" dirty="0" smtClean="0">
-                <a:sym typeface="Symbol" panose="05050102010706020507" pitchFamily="18" charset="2"/>
-              </a:rPr>
-              <a:t>/6 instead</a:t>
             </a:r>
             <a:r>
               <a:rPr lang="en-US" dirty="0">
                 <a:sym typeface="Symbol" panose="05050102010706020507" pitchFamily="18" charset="2"/>
               </a:rPr>
-              <a:t>?</a:t>
+              <a:t>/6 instead?</a:t>
             </a:r>
             <a:endParaRPr lang="en-US" dirty="0"/>
           </a:p>
@@ -28182,7 +27800,7 @@
           <a:lstStyle/>
           <a:p>
             <a:r>
-              <a:rPr lang="en-US" sz="2400" dirty="0" smtClean="0">
+              <a:rPr lang="en-US" sz="2400" dirty="0">
                 <a:solidFill>
                   <a:srgbClr val="FF0000"/>
                 </a:solidFill>
@@ -28192,14 +27810,6 @@
               </a:rPr>
               <a:t>our rotated version</a:t>
             </a:r>
-            <a:endParaRPr lang="en-US" sz="2400" dirty="0">
-              <a:solidFill>
-                <a:srgbClr val="FF0000"/>
-              </a:solidFill>
-              <a:latin typeface="Whipsmart" panose="020B0502030203050204" pitchFamily="34" charset="0"/>
-              <a:ea typeface="+mj-ea"/>
-              <a:cs typeface="+mj-cs"/>
-            </a:endParaRPr>
           </a:p>
         </p:txBody>
       </p:sp>
@@ -28226,7 +27836,7 @@
           <a:lstStyle/>
           <a:p>
             <a:r>
-              <a:rPr lang="en-US" sz="2400" dirty="0" smtClean="0">
+              <a:rPr lang="en-US" sz="2400" dirty="0">
                 <a:solidFill>
                   <a:srgbClr val="FF0000"/>
                 </a:solidFill>
@@ -28236,14 +27846,6 @@
               </a:rPr>
               <a:t>what to write here?</a:t>
             </a:r>
-            <a:endParaRPr lang="en-US" sz="2400" dirty="0">
-              <a:solidFill>
-                <a:srgbClr val="FF0000"/>
-              </a:solidFill>
-              <a:latin typeface="Whipsmart" panose="020B0502030203050204" pitchFamily="34" charset="0"/>
-              <a:ea typeface="+mj-ea"/>
-              <a:cs typeface="+mj-cs"/>
-            </a:endParaRPr>
           </a:p>
         </p:txBody>
       </p:sp>
@@ -28482,11 +28084,11 @@
           <a:lstStyle/>
           <a:p>
             <a:r>
-              <a:rPr lang="en-US" dirty="0" smtClean="0"/>
+              <a:rPr lang="en-US" dirty="0"/>
               <a:t>How do we scale by (2, -3)</a:t>
             </a:r>
             <a:r>
-              <a:rPr lang="en-US" dirty="0" smtClean="0">
+              <a:rPr lang="en-US" dirty="0">
                 <a:sym typeface="Symbol" panose="05050102010706020507" pitchFamily="18" charset="2"/>
               </a:rPr>
               <a:t>?</a:t>
@@ -28554,7 +28156,7 @@
           <a:lstStyle/>
           <a:p>
             <a:r>
-              <a:rPr lang="en-US" sz="2400" dirty="0" smtClean="0">
+              <a:rPr lang="en-US" sz="2400" dirty="0">
                 <a:solidFill>
                   <a:srgbClr val="FF0000"/>
                 </a:solidFill>
@@ -28564,14 +28166,6 @@
               </a:rPr>
               <a:t>our rotated version</a:t>
             </a:r>
-            <a:endParaRPr lang="en-US" sz="2400" dirty="0">
-              <a:solidFill>
-                <a:srgbClr val="FF0000"/>
-              </a:solidFill>
-              <a:latin typeface="Whipsmart" panose="020B0502030203050204" pitchFamily="34" charset="0"/>
-              <a:ea typeface="+mj-ea"/>
-              <a:cs typeface="+mj-cs"/>
-            </a:endParaRPr>
           </a:p>
         </p:txBody>
       </p:sp>
@@ -28598,7 +28192,7 @@
           <a:lstStyle/>
           <a:p>
             <a:r>
-              <a:rPr lang="en-US" sz="2400" dirty="0" smtClean="0">
+              <a:rPr lang="en-US" sz="2400" dirty="0">
                 <a:solidFill>
                   <a:srgbClr val="FF0000"/>
                 </a:solidFill>
@@ -28608,14 +28202,6 @@
               </a:rPr>
               <a:t>what to write here?</a:t>
             </a:r>
-            <a:endParaRPr lang="en-US" sz="2400" dirty="0">
-              <a:solidFill>
-                <a:srgbClr val="FF0000"/>
-              </a:solidFill>
-              <a:latin typeface="Whipsmart" panose="020B0502030203050204" pitchFamily="34" charset="0"/>
-              <a:ea typeface="+mj-ea"/>
-              <a:cs typeface="+mj-cs"/>
-            </a:endParaRPr>
           </a:p>
         </p:txBody>
       </p:sp>
